--- a/slides/dps/hoffmann_serverless_dps.pptx
+++ b/slides/dps/hoffmann_serverless_dps.pptx
@@ -309,7 +309,7 @@
           <a:p>
             <a:fld id="{C613CD1A-BD03-431E-8149-2BA95C241B5B}" type="datetimeFigureOut">
               <a:rPr lang="de-DE" smtClean="0"/>
-              <a:t>13.09.2021</a:t>
+              <a:t>15.09.2021</a:t>
             </a:fld>
             <a:endParaRPr lang="de-DE"/>
           </a:p>
@@ -3755,7 +3755,7 @@
           <a:p>
             <a:fld id="{EC8D8C26-B4E6-426A-BFEB-64E315722594}" type="datetime1">
               <a:rPr lang="de-DE" smtClean="0"/>
-              <a:t>13.09.2021</a:t>
+              <a:t>15.09.2021</a:t>
             </a:fld>
             <a:endParaRPr lang="de-DE"/>
           </a:p>
@@ -4004,7 +4004,7 @@
           <a:p>
             <a:fld id="{F5F6A81A-C2B1-46AC-AE74-2B55BF19628A}" type="datetime1">
               <a:rPr lang="de-DE" smtClean="0"/>
-              <a:t>13.09.2021</a:t>
+              <a:t>15.09.2021</a:t>
             </a:fld>
             <a:endParaRPr lang="de-DE"/>
           </a:p>
@@ -4250,7 +4250,7 @@
           <a:p>
             <a:fld id="{AF15D084-6AB9-48F2-93F6-EFCDDED1FBB7}" type="datetime1">
               <a:rPr lang="de-DE" smtClean="0"/>
-              <a:t>13.09.2021</a:t>
+              <a:t>15.09.2021</a:t>
             </a:fld>
             <a:endParaRPr lang="de-DE"/>
           </a:p>
@@ -4584,7 +4584,7 @@
           <a:p>
             <a:fld id="{19922A47-BBF0-40EF-9801-83EDB89F85EE}" type="datetime1">
               <a:rPr lang="de-DE" smtClean="0"/>
-              <a:t>13.09.2021</a:t>
+              <a:t>15.09.2021</a:t>
             </a:fld>
             <a:endParaRPr lang="de-DE"/>
           </a:p>
@@ -4740,7 +4740,7 @@
           <a:p>
             <a:fld id="{F827CE8F-CE56-4C8A-B59F-ECC243700C50}" type="datetime1">
               <a:rPr lang="de-DE" smtClean="0"/>
-              <a:t>13.09.2021</a:t>
+              <a:t>15.09.2021</a:t>
             </a:fld>
             <a:endParaRPr lang="de-DE"/>
           </a:p>
@@ -4980,7 +4980,7 @@
           <a:p>
             <a:fld id="{18636517-FE76-4284-A6D7-A6087C677DF5}" type="datetime1">
               <a:rPr lang="de-DE" smtClean="0"/>
-              <a:t>13.09.2021</a:t>
+              <a:t>15.09.2021</a:t>
             </a:fld>
             <a:endParaRPr lang="de-DE"/>
           </a:p>
@@ -5353,7 +5353,7 @@
           <a:p>
             <a:fld id="{289A97F5-24F3-48B6-801A-9146D9102502}" type="datetime1">
               <a:rPr lang="de-DE" smtClean="0"/>
-              <a:t>13.09.2021</a:t>
+              <a:t>15.09.2021</a:t>
             </a:fld>
             <a:endParaRPr lang="de-DE"/>
           </a:p>
@@ -5813,7 +5813,7 @@
           <a:p>
             <a:fld id="{C7A79248-BDFF-4466-9C95-37ECA73C4233}" type="datetime1">
               <a:rPr lang="de-DE" smtClean="0"/>
-              <a:t>13.09.2021</a:t>
+              <a:t>15.09.2021</a:t>
             </a:fld>
             <a:endParaRPr lang="de-DE"/>
           </a:p>
@@ -6085,7 +6085,7 @@
           <a:p>
             <a:fld id="{BBC87CA2-7062-4E12-8384-9E01394495A9}" type="datetime1">
               <a:rPr lang="de-DE" smtClean="0"/>
-              <a:t>13.09.2021</a:t>
+              <a:t>15.09.2021</a:t>
             </a:fld>
             <a:endParaRPr lang="de-DE"/>
           </a:p>
@@ -6254,7 +6254,7 @@
           <a:p>
             <a:fld id="{DEEA959A-ACAA-4DCD-A10E-9278E2809D2F}" type="datetime1">
               <a:rPr lang="de-DE" smtClean="0"/>
-              <a:t>13.09.2021</a:t>
+              <a:t>15.09.2021</a:t>
             </a:fld>
             <a:endParaRPr lang="de-DE"/>
           </a:p>
@@ -6611,7 +6611,7 @@
           <a:p>
             <a:fld id="{087C5EBE-EC45-41E7-B2EB-110DE38DEC04}" type="datetime1">
               <a:rPr lang="de-DE" smtClean="0"/>
-              <a:t>13.09.2021</a:t>
+              <a:t>15.09.2021</a:t>
             </a:fld>
             <a:endParaRPr lang="de-DE"/>
           </a:p>
@@ -6868,7 +6868,7 @@
           <a:p>
             <a:fld id="{874B70A8-8344-4A34-810F-7A9DCD406A26}" type="datetime1">
               <a:rPr lang="de-DE" smtClean="0"/>
-              <a:t>13.09.2021</a:t>
+              <a:t>15.09.2021</a:t>
             </a:fld>
             <a:endParaRPr lang="de-DE"/>
           </a:p>
@@ -7245,7 +7245,7 @@
           <a:p>
             <a:fld id="{8F06F742-6DB8-4B59-9AEC-3207D7CCAB0B}" type="datetime1">
               <a:rPr lang="de-DE" smtClean="0"/>
-              <a:t>13.09.2021</a:t>
+              <a:t>15.09.2021</a:t>
             </a:fld>
             <a:endParaRPr lang="de-DE"/>
           </a:p>
@@ -7720,7 +7720,7 @@
           <a:p>
             <a:fld id="{6E4AEC4C-9452-42F1-A466-3AAF02708E98}" type="datetime1">
               <a:rPr lang="de-DE" smtClean="0"/>
-              <a:t>13.09.2021</a:t>
+              <a:t>15.09.2021</a:t>
             </a:fld>
             <a:endParaRPr lang="de-DE"/>
           </a:p>
@@ -7974,7 +7974,7 @@
           <a:p>
             <a:fld id="{ED3EF982-B1C3-47E7-9AD7-18642D776D16}" type="datetime1">
               <a:rPr lang="de-DE" smtClean="0"/>
-              <a:t>13.09.2021</a:t>
+              <a:t>15.09.2021</a:t>
             </a:fld>
             <a:endParaRPr lang="de-DE"/>
           </a:p>
@@ -8557,7 +8557,7 @@
           <a:p>
             <a:fld id="{35BA4B03-B363-4239-B935-F2B4853E533A}" type="datetime1">
               <a:rPr lang="de-DE" smtClean="0"/>
-              <a:t>13.09.2021</a:t>
+              <a:t>15.09.2021</a:t>
             </a:fld>
             <a:endParaRPr lang="de-DE"/>
           </a:p>
@@ -9181,7 +9181,7 @@
           <a:p>
             <a:fld id="{61E1E29B-143A-4EE6-BDB2-1F557AEF61CC}" type="datetime1">
               <a:rPr lang="de-DE" smtClean="0"/>
-              <a:t>13.09.2021</a:t>
+              <a:t>15.09.2021</a:t>
             </a:fld>
             <a:endParaRPr lang="de-DE"/>
           </a:p>
@@ -9919,7 +9919,7 @@
           <a:p>
             <a:fld id="{BBC87CA2-7062-4E12-8384-9E01394495A9}" type="datetime1">
               <a:rPr lang="de-DE" smtClean="0"/>
-              <a:t>13.09.2021</a:t>
+              <a:t>15.09.2021</a:t>
             </a:fld>
             <a:endParaRPr lang="de-DE"/>
           </a:p>
@@ -10321,7 +10321,7 @@
           <a:p>
             <a:fld id="{BBC87CA2-7062-4E12-8384-9E01394495A9}" type="datetime1">
               <a:rPr lang="de-DE" smtClean="0"/>
-              <a:t>13.09.2021</a:t>
+              <a:t>15.09.2021</a:t>
             </a:fld>
             <a:endParaRPr lang="de-DE"/>
           </a:p>
@@ -10956,7 +10956,7 @@
           <a:p>
             <a:fld id="{BBC87CA2-7062-4E12-8384-9E01394495A9}" type="datetime1">
               <a:rPr lang="de-DE" smtClean="0"/>
-              <a:t>13.09.2021</a:t>
+              <a:t>15.09.2021</a:t>
             </a:fld>
             <a:endParaRPr lang="de-DE"/>
           </a:p>
@@ -11701,7 +11701,7 @@
           <a:p>
             <a:fld id="{BBC87CA2-7062-4E12-8384-9E01394495A9}" type="datetime1">
               <a:rPr lang="de-DE" smtClean="0"/>
-              <a:t>13.09.2021</a:t>
+              <a:t>15.09.2021</a:t>
             </a:fld>
             <a:endParaRPr lang="de-DE"/>
           </a:p>
@@ -12415,7 +12415,7 @@
           <a:p>
             <a:fld id="{BBC87CA2-7062-4E12-8384-9E01394495A9}" type="datetime1">
               <a:rPr lang="de-DE" smtClean="0"/>
-              <a:t>13.09.2021</a:t>
+              <a:t>15.09.2021</a:t>
             </a:fld>
             <a:endParaRPr lang="de-DE"/>
           </a:p>
@@ -12531,7 +12531,7 @@
           <a:p>
             <a:fld id="{BBC87CA2-7062-4E12-8384-9E01394495A9}" type="datetime1">
               <a:rPr lang="de-DE" smtClean="0"/>
-              <a:t>13.09.2021</a:t>
+              <a:t>15.09.2021</a:t>
             </a:fld>
             <a:endParaRPr lang="de-DE"/>
           </a:p>
@@ -12756,7 +12756,7 @@
           <a:p>
             <a:fld id="{BBC87CA2-7062-4E12-8384-9E01394495A9}" type="datetime1">
               <a:rPr lang="de-DE" smtClean="0"/>
-              <a:t>13.09.2021</a:t>
+              <a:t>15.09.2021</a:t>
             </a:fld>
             <a:endParaRPr lang="de-DE"/>
           </a:p>
@@ -12942,7 +12942,7 @@
           <a:p>
             <a:fld id="{BBC87CA2-7062-4E12-8384-9E01394495A9}" type="datetime1">
               <a:rPr lang="de-DE" smtClean="0"/>
-              <a:t>13.09.2021</a:t>
+              <a:t>15.09.2021</a:t>
             </a:fld>
             <a:endParaRPr lang="de-DE"/>
           </a:p>
@@ -13148,7 +13148,7 @@
           <a:p>
             <a:fld id="{BBC87CA2-7062-4E12-8384-9E01394495A9}" type="datetime1">
               <a:rPr lang="de-DE" smtClean="0"/>
-              <a:t>13.09.2021</a:t>
+              <a:t>15.09.2021</a:t>
             </a:fld>
             <a:endParaRPr lang="de-DE"/>
           </a:p>
@@ -13448,7 +13448,7 @@
           <a:p>
             <a:fld id="{BBC87CA2-7062-4E12-8384-9E01394495A9}" type="datetime1">
               <a:rPr lang="de-DE" smtClean="0"/>
-              <a:t>13.09.2021</a:t>
+              <a:t>15.09.2021</a:t>
             </a:fld>
             <a:endParaRPr lang="de-DE"/>
           </a:p>
@@ -13600,7 +13600,7 @@
           <a:p>
             <a:fld id="{BBC87CA2-7062-4E12-8384-9E01394495A9}" type="datetime1">
               <a:rPr lang="de-DE" smtClean="0"/>
-              <a:t>13.09.2021</a:t>
+              <a:t>15.09.2021</a:t>
             </a:fld>
             <a:endParaRPr lang="de-DE"/>
           </a:p>
@@ -13788,7 +13788,7 @@
           <a:p>
             <a:fld id="{BBC87CA2-7062-4E12-8384-9E01394495A9}" type="datetime1">
               <a:rPr lang="de-DE" smtClean="0"/>
-              <a:t>13.09.2021</a:t>
+              <a:t>15.09.2021</a:t>
             </a:fld>
             <a:endParaRPr lang="de-DE"/>
           </a:p>
@@ -13940,7 +13940,7 @@
           <a:p>
             <a:fld id="{BBC87CA2-7062-4E12-8384-9E01394495A9}" type="datetime1">
               <a:rPr lang="de-DE" smtClean="0"/>
-              <a:t>13.09.2021</a:t>
+              <a:t>15.09.2021</a:t>
             </a:fld>
             <a:endParaRPr lang="de-DE"/>
           </a:p>
@@ -14136,7 +14136,7 @@
           <a:p>
             <a:fld id="{BBC87CA2-7062-4E12-8384-9E01394495A9}" type="datetime1">
               <a:rPr lang="de-DE" smtClean="0"/>
-              <a:t>13.09.2021</a:t>
+              <a:t>15.09.2021</a:t>
             </a:fld>
             <a:endParaRPr lang="de-DE"/>
           </a:p>
@@ -14324,7 +14324,7 @@
           <a:p>
             <a:fld id="{BBC87CA2-7062-4E12-8384-9E01394495A9}" type="datetime1">
               <a:rPr lang="de-DE" smtClean="0"/>
-              <a:t>13.09.2021</a:t>
+              <a:t>15.09.2021</a:t>
             </a:fld>
             <a:endParaRPr lang="de-DE"/>
           </a:p>
@@ -14476,7 +14476,7 @@
           <a:p>
             <a:fld id="{BBC87CA2-7062-4E12-8384-9E01394495A9}" type="datetime1">
               <a:rPr lang="de-DE" smtClean="0"/>
-              <a:t>13.09.2021</a:t>
+              <a:t>15.09.2021</a:t>
             </a:fld>
             <a:endParaRPr lang="de-DE"/>
           </a:p>
@@ -14703,7 +14703,7 @@
           <a:p>
             <a:fld id="{BBC87CA2-7062-4E12-8384-9E01394495A9}" type="datetime1">
               <a:rPr lang="de-DE" smtClean="0"/>
-              <a:t>13.09.2021</a:t>
+              <a:t>15.09.2021</a:t>
             </a:fld>
             <a:endParaRPr lang="de-DE"/>
           </a:p>
@@ -14891,7 +14891,7 @@
           <a:p>
             <a:fld id="{BBC87CA2-7062-4E12-8384-9E01394495A9}" type="datetime1">
               <a:rPr lang="de-DE" smtClean="0"/>
-              <a:t>13.09.2021</a:t>
+              <a:t>15.09.2021</a:t>
             </a:fld>
             <a:endParaRPr lang="de-DE"/>
           </a:p>
@@ -15087,7 +15087,7 @@
           <a:p>
             <a:fld id="{BBC87CA2-7062-4E12-8384-9E01394495A9}" type="datetime1">
               <a:rPr lang="de-DE" smtClean="0"/>
-              <a:t>13.09.2021</a:t>
+              <a:t>15.09.2021</a:t>
             </a:fld>
             <a:endParaRPr lang="de-DE"/>
           </a:p>
@@ -15279,7 +15279,7 @@
           <a:p>
             <a:fld id="{BBC87CA2-7062-4E12-8384-9E01394495A9}" type="datetime1">
               <a:rPr lang="de-DE" smtClean="0"/>
-              <a:t>13.09.2021</a:t>
+              <a:t>15.09.2021</a:t>
             </a:fld>
             <a:endParaRPr lang="de-DE"/>
           </a:p>
@@ -15431,7 +15431,7 @@
           <a:p>
             <a:fld id="{BBC87CA2-7062-4E12-8384-9E01394495A9}" type="datetime1">
               <a:rPr lang="de-DE" smtClean="0"/>
-              <a:t>13.09.2021</a:t>
+              <a:t>15.09.2021</a:t>
             </a:fld>
             <a:endParaRPr lang="de-DE"/>
           </a:p>
@@ -15786,7 +15786,7 @@
           <a:p>
             <a:fld id="{BBC87CA2-7062-4E12-8384-9E01394495A9}" type="datetime1">
               <a:rPr lang="de-DE" smtClean="0"/>
-              <a:t>13.09.2021</a:t>
+              <a:t>15.09.2021</a:t>
             </a:fld>
             <a:endParaRPr lang="de-DE"/>
           </a:p>
@@ -15974,7 +15974,7 @@
           <a:p>
             <a:fld id="{BBC87CA2-7062-4E12-8384-9E01394495A9}" type="datetime1">
               <a:rPr lang="de-DE" smtClean="0"/>
-              <a:t>13.09.2021</a:t>
+              <a:t>15.09.2021</a:t>
             </a:fld>
             <a:endParaRPr lang="de-DE"/>
           </a:p>
@@ -16162,7 +16162,7 @@
           <a:p>
             <a:fld id="{BBC87CA2-7062-4E12-8384-9E01394495A9}" type="datetime1">
               <a:rPr lang="de-DE" smtClean="0"/>
-              <a:t>13.09.2021</a:t>
+              <a:t>15.09.2021</a:t>
             </a:fld>
             <a:endParaRPr lang="de-DE"/>
           </a:p>
@@ -16350,7 +16350,7 @@
           <a:p>
             <a:fld id="{BBC87CA2-7062-4E12-8384-9E01394495A9}" type="datetime1">
               <a:rPr lang="de-DE" smtClean="0"/>
-              <a:t>13.09.2021</a:t>
+              <a:t>15.09.2021</a:t>
             </a:fld>
             <a:endParaRPr lang="de-DE"/>
           </a:p>
@@ -16610,7 +16610,7 @@
           <a:p>
             <a:fld id="{BBC87CA2-7062-4E12-8384-9E01394495A9}" type="datetime1">
               <a:rPr lang="de-DE" smtClean="0"/>
-              <a:t>13.09.2021</a:t>
+              <a:t>15.09.2021</a:t>
             </a:fld>
             <a:endParaRPr lang="de-DE"/>
           </a:p>
@@ -17237,7 +17237,7 @@
           <a:p>
             <a:fld id="{BBC87CA2-7062-4E12-8384-9E01394495A9}" type="datetime1">
               <a:rPr lang="de-DE" smtClean="0"/>
-              <a:t>13.09.2021</a:t>
+              <a:t>15.09.2021</a:t>
             </a:fld>
             <a:endParaRPr lang="de-DE"/>
           </a:p>
@@ -17719,7 +17719,7 @@
           <a:p>
             <a:fld id="{BBC87CA2-7062-4E12-8384-9E01394495A9}" type="datetime1">
               <a:rPr lang="de-DE" smtClean="0"/>
-              <a:t>13.09.2021</a:t>
+              <a:t>15.09.2021</a:t>
             </a:fld>
             <a:endParaRPr lang="de-DE"/>
           </a:p>
@@ -18359,7 +18359,7 @@
           <a:p>
             <a:fld id="{BBC87CA2-7062-4E12-8384-9E01394495A9}" type="datetime1">
               <a:rPr lang="de-DE" smtClean="0"/>
-              <a:t>13.09.2021</a:t>
+              <a:t>15.09.2021</a:t>
             </a:fld>
             <a:endParaRPr lang="de-DE"/>
           </a:p>
@@ -18576,7 +18576,7 @@
           <a:p>
             <a:fld id="{BBC87CA2-7062-4E12-8384-9E01394495A9}" type="datetime1">
               <a:rPr lang="de-DE" smtClean="0"/>
-              <a:t>13.09.2021</a:t>
+              <a:t>15.09.2021</a:t>
             </a:fld>
             <a:endParaRPr lang="de-DE"/>
           </a:p>
@@ -18813,7 +18813,7 @@
             </a:r>
             <a:r>
               <a:rPr lang="en-US" dirty="0" err="1"/>
-              <a:t>starten</a:t>
+              <a:t>startet</a:t>
             </a:r>
             <a:endParaRPr lang="en-US" dirty="0"/>
           </a:p>
@@ -19011,7 +19011,7 @@
           <a:p>
             <a:fld id="{BBC87CA2-7062-4E12-8384-9E01394495A9}" type="datetime1">
               <a:rPr lang="de-DE" smtClean="0"/>
-              <a:t>13.09.2021</a:t>
+              <a:t>15.09.2021</a:t>
             </a:fld>
             <a:endParaRPr lang="de-DE"/>
           </a:p>
@@ -20287,18 +20287,18 @@
 </file>
 
 <file path=customXml/item1.xml><?xml version="1.0" encoding="utf-8"?>
-<p:properties xmlns:p="http://schemas.microsoft.com/office/2006/metadata/properties" xmlns:xsi="http://www.w3.org/2001/XMLSchema-instance" xmlns:pc="http://schemas.microsoft.com/office/infopath/2007/PartnerControls">
-  <documentManagement/>
-</p:properties>
-</file>
-
-<file path=customXml/item2.xml><?xml version="1.0" encoding="utf-8"?>
 <?mso-contentType ?>
 <FormTemplates xmlns="http://schemas.microsoft.com/sharepoint/v3/contenttype/forms">
   <Display>DocumentLibraryForm</Display>
   <Edit>DocumentLibraryForm</Edit>
   <New>DocumentLibraryForm</New>
 </FormTemplates>
+</file>
+
+<file path=customXml/item2.xml><?xml version="1.0" encoding="utf-8"?>
+<p:properties xmlns:p="http://schemas.microsoft.com/office/2006/metadata/properties" xmlns:xsi="http://www.w3.org/2001/XMLSchema-instance" xmlns:pc="http://schemas.microsoft.com/office/infopath/2007/PartnerControls">
+  <documentManagement/>
+</p:properties>
 </file>
 
 <file path=customXml/item3.xml><?xml version="1.0" encoding="utf-8"?>
@@ -20493,18 +20493,18 @@
 </file>
 
 <file path=customXml/itemProps1.xml><?xml version="1.0" encoding="utf-8"?>
-<ds:datastoreItem xmlns:ds="http://schemas.openxmlformats.org/officeDocument/2006/customXml" ds:itemID="{4507DE60-3DD6-46B6-92AF-717BD04D65E5}">
+<ds:datastoreItem xmlns:ds="http://schemas.openxmlformats.org/officeDocument/2006/customXml" ds:itemID="{DD4333DF-574C-4D73-A71A-B940E5D42F65}">
   <ds:schemaRefs>
-    <ds:schemaRef ds:uri="http://schemas.microsoft.com/office/2006/metadata/properties"/>
-    <ds:schemaRef ds:uri="http://schemas.microsoft.com/office/infopath/2007/PartnerControls"/>
+    <ds:schemaRef ds:uri="http://schemas.microsoft.com/sharepoint/v3/contenttype/forms"/>
   </ds:schemaRefs>
 </ds:datastoreItem>
 </file>
 
 <file path=customXml/itemProps2.xml><?xml version="1.0" encoding="utf-8"?>
-<ds:datastoreItem xmlns:ds="http://schemas.openxmlformats.org/officeDocument/2006/customXml" ds:itemID="{DD4333DF-574C-4D73-A71A-B940E5D42F65}">
+<ds:datastoreItem xmlns:ds="http://schemas.openxmlformats.org/officeDocument/2006/customXml" ds:itemID="{4507DE60-3DD6-46B6-92AF-717BD04D65E5}">
   <ds:schemaRefs>
-    <ds:schemaRef ds:uri="http://schemas.microsoft.com/sharepoint/v3/contenttype/forms"/>
+    <ds:schemaRef ds:uri="http://schemas.microsoft.com/office/2006/metadata/properties"/>
+    <ds:schemaRef ds:uri="http://schemas.microsoft.com/office/infopath/2007/PartnerControls"/>
   </ds:schemaRefs>
 </ds:datastoreItem>
 </file>

--- a/slides/dps/hoffmann_serverless_dps.pptx
+++ b/slides/dps/hoffmann_serverless_dps.pptx
@@ -6,7 +6,7 @@
     <p:sldMasterId id="2147483670" r:id="rId5"/>
   </p:sldMasterIdLst>
   <p:notesMasterIdLst>
-    <p:notesMasterId r:id="rId39"/>
+    <p:notesMasterId r:id="rId40"/>
   </p:notesMasterIdLst>
   <p:sldIdLst>
     <p:sldId id="257" r:id="rId6"/>
@@ -22,26 +22,27 @@
     <p:sldId id="396" r:id="rId16"/>
     <p:sldId id="393" r:id="rId17"/>
     <p:sldId id="391" r:id="rId18"/>
-    <p:sldId id="387" r:id="rId19"/>
-    <p:sldId id="389" r:id="rId20"/>
-    <p:sldId id="367" r:id="rId21"/>
-    <p:sldId id="384" r:id="rId22"/>
-    <p:sldId id="369" r:id="rId23"/>
-    <p:sldId id="372" r:id="rId24"/>
-    <p:sldId id="373" r:id="rId25"/>
-    <p:sldId id="376" r:id="rId26"/>
-    <p:sldId id="381" r:id="rId27"/>
-    <p:sldId id="382" r:id="rId28"/>
-    <p:sldId id="383" r:id="rId29"/>
-    <p:sldId id="365" r:id="rId30"/>
-    <p:sldId id="370" r:id="rId31"/>
-    <p:sldId id="378" r:id="rId32"/>
-    <p:sldId id="374" r:id="rId33"/>
-    <p:sldId id="377" r:id="rId34"/>
-    <p:sldId id="375" r:id="rId35"/>
-    <p:sldId id="380" r:id="rId36"/>
-    <p:sldId id="371" r:id="rId37"/>
-    <p:sldId id="379" r:id="rId38"/>
+    <p:sldId id="397" r:id="rId19"/>
+    <p:sldId id="387" r:id="rId20"/>
+    <p:sldId id="389" r:id="rId21"/>
+    <p:sldId id="367" r:id="rId22"/>
+    <p:sldId id="384" r:id="rId23"/>
+    <p:sldId id="369" r:id="rId24"/>
+    <p:sldId id="372" r:id="rId25"/>
+    <p:sldId id="373" r:id="rId26"/>
+    <p:sldId id="376" r:id="rId27"/>
+    <p:sldId id="381" r:id="rId28"/>
+    <p:sldId id="382" r:id="rId29"/>
+    <p:sldId id="383" r:id="rId30"/>
+    <p:sldId id="365" r:id="rId31"/>
+    <p:sldId id="370" r:id="rId32"/>
+    <p:sldId id="378" r:id="rId33"/>
+    <p:sldId id="374" r:id="rId34"/>
+    <p:sldId id="377" r:id="rId35"/>
+    <p:sldId id="375" r:id="rId36"/>
+    <p:sldId id="380" r:id="rId37"/>
+    <p:sldId id="371" r:id="rId38"/>
+    <p:sldId id="379" r:id="rId39"/>
   </p:sldIdLst>
   <p:sldSz cx="12192000" cy="6858000"/>
   <p:notesSz cx="6797675" cy="9926638"/>
@@ -162,6 +163,7 @@
         <p14:section name="zusatz_schaubilder" id="{F2190397-5179-447D-B8CD-3553ADDB7292}">
           <p14:sldIdLst>
             <p14:sldId id="391"/>
+            <p14:sldId id="397"/>
             <p14:sldId id="387"/>
             <p14:sldId id="389"/>
             <p14:sldId id="367"/>
@@ -309,7 +311,7 @@
           <a:p>
             <a:fld id="{C613CD1A-BD03-431E-8149-2BA95C241B5B}" type="datetimeFigureOut">
               <a:rPr lang="de-DE" smtClean="0"/>
-              <a:t>15.09.2021</a:t>
+              <a:t>23.09.2021</a:t>
             </a:fld>
             <a:endParaRPr lang="de-DE"/>
           </a:p>
@@ -1679,7 +1681,7 @@
           <a:p>
             <a:fld id="{4DDF3212-7778-4CE9-812A-0FC4805161C3}" type="slidenum">
               <a:rPr lang="de-DE" smtClean="0"/>
-              <a:t>14</a:t>
+              <a:t>15</a:t>
             </a:fld>
             <a:endParaRPr lang="de-DE"/>
           </a:p>
@@ -1787,7 +1789,7 @@
           <a:p>
             <a:fld id="{4DDF3212-7778-4CE9-812A-0FC4805161C3}" type="slidenum">
               <a:rPr lang="de-DE" smtClean="0"/>
-              <a:t>15</a:t>
+              <a:t>16</a:t>
             </a:fld>
             <a:endParaRPr lang="de-DE"/>
           </a:p>
@@ -1871,7 +1873,7 @@
           <a:p>
             <a:fld id="{4DDF3212-7778-4CE9-812A-0FC4805161C3}" type="slidenum">
               <a:rPr lang="de-DE" smtClean="0"/>
-              <a:t>16</a:t>
+              <a:t>17</a:t>
             </a:fld>
             <a:endParaRPr lang="de-DE"/>
           </a:p>
@@ -1955,7 +1957,7 @@
           <a:p>
             <a:fld id="{4DDF3212-7778-4CE9-812A-0FC4805161C3}" type="slidenum">
               <a:rPr lang="de-DE" smtClean="0"/>
-              <a:t>20</a:t>
+              <a:t>21</a:t>
             </a:fld>
             <a:endParaRPr lang="de-DE"/>
           </a:p>
@@ -2039,7 +2041,7 @@
           <a:p>
             <a:fld id="{4DDF3212-7778-4CE9-812A-0FC4805161C3}" type="slidenum">
               <a:rPr lang="de-DE" smtClean="0"/>
-              <a:t>25</a:t>
+              <a:t>26</a:t>
             </a:fld>
             <a:endParaRPr lang="de-DE"/>
           </a:p>
@@ -2123,7 +2125,7 @@
           <a:p>
             <a:fld id="{4DDF3212-7778-4CE9-812A-0FC4805161C3}" type="slidenum">
               <a:rPr lang="de-DE" smtClean="0"/>
-              <a:t>26</a:t>
+              <a:t>27</a:t>
             </a:fld>
             <a:endParaRPr lang="de-DE"/>
           </a:p>
@@ -3755,7 +3757,7 @@
           <a:p>
             <a:fld id="{EC8D8C26-B4E6-426A-BFEB-64E315722594}" type="datetime1">
               <a:rPr lang="de-DE" smtClean="0"/>
-              <a:t>15.09.2021</a:t>
+              <a:t>23.09.2021</a:t>
             </a:fld>
             <a:endParaRPr lang="de-DE"/>
           </a:p>
@@ -4004,7 +4006,7 @@
           <a:p>
             <a:fld id="{F5F6A81A-C2B1-46AC-AE74-2B55BF19628A}" type="datetime1">
               <a:rPr lang="de-DE" smtClean="0"/>
-              <a:t>15.09.2021</a:t>
+              <a:t>23.09.2021</a:t>
             </a:fld>
             <a:endParaRPr lang="de-DE"/>
           </a:p>
@@ -4250,7 +4252,7 @@
           <a:p>
             <a:fld id="{AF15D084-6AB9-48F2-93F6-EFCDDED1FBB7}" type="datetime1">
               <a:rPr lang="de-DE" smtClean="0"/>
-              <a:t>15.09.2021</a:t>
+              <a:t>23.09.2021</a:t>
             </a:fld>
             <a:endParaRPr lang="de-DE"/>
           </a:p>
@@ -4584,7 +4586,7 @@
           <a:p>
             <a:fld id="{19922A47-BBF0-40EF-9801-83EDB89F85EE}" type="datetime1">
               <a:rPr lang="de-DE" smtClean="0"/>
-              <a:t>15.09.2021</a:t>
+              <a:t>23.09.2021</a:t>
             </a:fld>
             <a:endParaRPr lang="de-DE"/>
           </a:p>
@@ -4740,7 +4742,7 @@
           <a:p>
             <a:fld id="{F827CE8F-CE56-4C8A-B59F-ECC243700C50}" type="datetime1">
               <a:rPr lang="de-DE" smtClean="0"/>
-              <a:t>15.09.2021</a:t>
+              <a:t>23.09.2021</a:t>
             </a:fld>
             <a:endParaRPr lang="de-DE"/>
           </a:p>
@@ -4980,7 +4982,7 @@
           <a:p>
             <a:fld id="{18636517-FE76-4284-A6D7-A6087C677DF5}" type="datetime1">
               <a:rPr lang="de-DE" smtClean="0"/>
-              <a:t>15.09.2021</a:t>
+              <a:t>23.09.2021</a:t>
             </a:fld>
             <a:endParaRPr lang="de-DE"/>
           </a:p>
@@ -5353,7 +5355,7 @@
           <a:p>
             <a:fld id="{289A97F5-24F3-48B6-801A-9146D9102502}" type="datetime1">
               <a:rPr lang="de-DE" smtClean="0"/>
-              <a:t>15.09.2021</a:t>
+              <a:t>23.09.2021</a:t>
             </a:fld>
             <a:endParaRPr lang="de-DE"/>
           </a:p>
@@ -5813,7 +5815,7 @@
           <a:p>
             <a:fld id="{C7A79248-BDFF-4466-9C95-37ECA73C4233}" type="datetime1">
               <a:rPr lang="de-DE" smtClean="0"/>
-              <a:t>15.09.2021</a:t>
+              <a:t>23.09.2021</a:t>
             </a:fld>
             <a:endParaRPr lang="de-DE"/>
           </a:p>
@@ -6085,7 +6087,7 @@
           <a:p>
             <a:fld id="{BBC87CA2-7062-4E12-8384-9E01394495A9}" type="datetime1">
               <a:rPr lang="de-DE" smtClean="0"/>
-              <a:t>15.09.2021</a:t>
+              <a:t>23.09.2021</a:t>
             </a:fld>
             <a:endParaRPr lang="de-DE"/>
           </a:p>
@@ -6254,7 +6256,7 @@
           <a:p>
             <a:fld id="{DEEA959A-ACAA-4DCD-A10E-9278E2809D2F}" type="datetime1">
               <a:rPr lang="de-DE" smtClean="0"/>
-              <a:t>15.09.2021</a:t>
+              <a:t>23.09.2021</a:t>
             </a:fld>
             <a:endParaRPr lang="de-DE"/>
           </a:p>
@@ -6611,7 +6613,7 @@
           <a:p>
             <a:fld id="{087C5EBE-EC45-41E7-B2EB-110DE38DEC04}" type="datetime1">
               <a:rPr lang="de-DE" smtClean="0"/>
-              <a:t>15.09.2021</a:t>
+              <a:t>23.09.2021</a:t>
             </a:fld>
             <a:endParaRPr lang="de-DE"/>
           </a:p>
@@ -6868,7 +6870,7 @@
           <a:p>
             <a:fld id="{874B70A8-8344-4A34-810F-7A9DCD406A26}" type="datetime1">
               <a:rPr lang="de-DE" smtClean="0"/>
-              <a:t>15.09.2021</a:t>
+              <a:t>23.09.2021</a:t>
             </a:fld>
             <a:endParaRPr lang="de-DE"/>
           </a:p>
@@ -7245,7 +7247,7 @@
           <a:p>
             <a:fld id="{8F06F742-6DB8-4B59-9AEC-3207D7CCAB0B}" type="datetime1">
               <a:rPr lang="de-DE" smtClean="0"/>
-              <a:t>15.09.2021</a:t>
+              <a:t>23.09.2021</a:t>
             </a:fld>
             <a:endParaRPr lang="de-DE"/>
           </a:p>
@@ -7720,7 +7722,7 @@
           <a:p>
             <a:fld id="{6E4AEC4C-9452-42F1-A466-3AAF02708E98}" type="datetime1">
               <a:rPr lang="de-DE" smtClean="0"/>
-              <a:t>15.09.2021</a:t>
+              <a:t>23.09.2021</a:t>
             </a:fld>
             <a:endParaRPr lang="de-DE"/>
           </a:p>
@@ -7974,7 +7976,7 @@
           <a:p>
             <a:fld id="{ED3EF982-B1C3-47E7-9AD7-18642D776D16}" type="datetime1">
               <a:rPr lang="de-DE" smtClean="0"/>
-              <a:t>15.09.2021</a:t>
+              <a:t>23.09.2021</a:t>
             </a:fld>
             <a:endParaRPr lang="de-DE"/>
           </a:p>
@@ -8557,7 +8559,7 @@
           <a:p>
             <a:fld id="{35BA4B03-B363-4239-B935-F2B4853E533A}" type="datetime1">
               <a:rPr lang="de-DE" smtClean="0"/>
-              <a:t>15.09.2021</a:t>
+              <a:t>23.09.2021</a:t>
             </a:fld>
             <a:endParaRPr lang="de-DE"/>
           </a:p>
@@ -9181,7 +9183,7 @@
           <a:p>
             <a:fld id="{61E1E29B-143A-4EE6-BDB2-1F557AEF61CC}" type="datetime1">
               <a:rPr lang="de-DE" smtClean="0"/>
-              <a:t>15.09.2021</a:t>
+              <a:t>23.09.2021</a:t>
             </a:fld>
             <a:endParaRPr lang="de-DE"/>
           </a:p>
@@ -9919,7 +9921,7 @@
           <a:p>
             <a:fld id="{BBC87CA2-7062-4E12-8384-9E01394495A9}" type="datetime1">
               <a:rPr lang="de-DE" smtClean="0"/>
-              <a:t>15.09.2021</a:t>
+              <a:t>23.09.2021</a:t>
             </a:fld>
             <a:endParaRPr lang="de-DE"/>
           </a:p>
@@ -10321,7 +10323,7 @@
           <a:p>
             <a:fld id="{BBC87CA2-7062-4E12-8384-9E01394495A9}" type="datetime1">
               <a:rPr lang="de-DE" smtClean="0"/>
-              <a:t>15.09.2021</a:t>
+              <a:t>23.09.2021</a:t>
             </a:fld>
             <a:endParaRPr lang="de-DE"/>
           </a:p>
@@ -10956,7 +10958,7 @@
           <a:p>
             <a:fld id="{BBC87CA2-7062-4E12-8384-9E01394495A9}" type="datetime1">
               <a:rPr lang="de-DE" smtClean="0"/>
-              <a:t>15.09.2021</a:t>
+              <a:t>23.09.2021</a:t>
             </a:fld>
             <a:endParaRPr lang="de-DE"/>
           </a:p>
@@ -11491,6 +11493,226 @@
           <a:chExt cx="0" cy="0"/>
         </a:xfrm>
       </p:grpSpPr>
+      <p:sp>
+        <p:nvSpPr>
+          <p:cNvPr id="2" name="Bildplatzhalter 1">
+            <a:extLst>
+              <a:ext uri="{FF2B5EF4-FFF2-40B4-BE49-F238E27FC236}">
+                <a16:creationId xmlns:a16="http://schemas.microsoft.com/office/drawing/2014/main" id="{9F4E9575-F857-4075-94A4-B70D17046E87}"/>
+              </a:ext>
+            </a:extLst>
+          </p:cNvPr>
+          <p:cNvSpPr>
+            <a:spLocks noGrp="1"/>
+          </p:cNvSpPr>
+          <p:nvPr>
+            <p:ph type="pic" sz="quarter" idx="13"/>
+          </p:nvPr>
+        </p:nvSpPr>
+        <p:spPr/>
+      </p:sp>
+      <p:sp>
+        <p:nvSpPr>
+          <p:cNvPr id="4" name="Titel 3">
+            <a:extLst>
+              <a:ext uri="{FF2B5EF4-FFF2-40B4-BE49-F238E27FC236}">
+                <a16:creationId xmlns:a16="http://schemas.microsoft.com/office/drawing/2014/main" id="{BB0B8562-2D5E-45FC-A960-B3AC647C2C38}"/>
+              </a:ext>
+            </a:extLst>
+          </p:cNvPr>
+          <p:cNvSpPr>
+            <a:spLocks noGrp="1"/>
+          </p:cNvSpPr>
+          <p:nvPr>
+            <p:ph type="title"/>
+          </p:nvPr>
+        </p:nvSpPr>
+        <p:spPr/>
+        <p:txBody>
+          <a:bodyPr/>
+          <a:lstStyle/>
+          <a:p>
+            <a:r>
+              <a:rPr lang="en-US" dirty="0"/>
+              <a:t>JVM (JIT Compiler)</a:t>
+            </a:r>
+            <a:endParaRPr lang="de-DE" dirty="0"/>
+          </a:p>
+        </p:txBody>
+      </p:sp>
+      <p:sp>
+        <p:nvSpPr>
+          <p:cNvPr id="5" name="Datumsplatzhalter 4">
+            <a:extLst>
+              <a:ext uri="{FF2B5EF4-FFF2-40B4-BE49-F238E27FC236}">
+                <a16:creationId xmlns:a16="http://schemas.microsoft.com/office/drawing/2014/main" id="{127098DE-07CC-48A6-B82C-802E8634FBA1}"/>
+              </a:ext>
+            </a:extLst>
+          </p:cNvPr>
+          <p:cNvSpPr>
+            <a:spLocks noGrp="1"/>
+          </p:cNvSpPr>
+          <p:nvPr>
+            <p:ph type="dt" sz="half" idx="2"/>
+          </p:nvPr>
+        </p:nvSpPr>
+        <p:spPr/>
+        <p:txBody>
+          <a:bodyPr/>
+          <a:lstStyle/>
+          <a:p>
+            <a:fld id="{BBC87CA2-7062-4E12-8384-9E01394495A9}" type="datetime1">
+              <a:rPr lang="de-DE" smtClean="0"/>
+              <a:t>23.09.2021</a:t>
+            </a:fld>
+            <a:endParaRPr lang="de-DE"/>
+          </a:p>
+        </p:txBody>
+      </p:sp>
+      <p:sp>
+        <p:nvSpPr>
+          <p:cNvPr id="6" name="Foliennummernplatzhalter 5">
+            <a:extLst>
+              <a:ext uri="{FF2B5EF4-FFF2-40B4-BE49-F238E27FC236}">
+                <a16:creationId xmlns:a16="http://schemas.microsoft.com/office/drawing/2014/main" id="{06890B21-D093-4B2B-AE8E-188730D0B771}"/>
+              </a:ext>
+            </a:extLst>
+          </p:cNvPr>
+          <p:cNvSpPr>
+            <a:spLocks noGrp="1"/>
+          </p:cNvSpPr>
+          <p:nvPr>
+            <p:ph type="sldNum" sz="quarter" idx="4"/>
+          </p:nvPr>
+        </p:nvSpPr>
+        <p:spPr/>
+        <p:txBody>
+          <a:bodyPr/>
+          <a:lstStyle/>
+          <a:p>
+            <a:fld id="{948D4F86-A8FF-4343-B276-EF54A31C77D2}" type="slidenum">
+              <a:rPr lang="de-DE" smtClean="0"/>
+              <a:t>14</a:t>
+            </a:fld>
+            <a:endParaRPr lang="de-DE"/>
+          </a:p>
+        </p:txBody>
+      </p:sp>
+      <p:pic>
+        <p:nvPicPr>
+          <p:cNvPr id="1026" name="Picture 2" descr="HotSpot JVM JIT (just-in-time) compilation overview">
+            <a:extLst>
+              <a:ext uri="{FF2B5EF4-FFF2-40B4-BE49-F238E27FC236}">
+                <a16:creationId xmlns:a16="http://schemas.microsoft.com/office/drawing/2014/main" id="{88B9B731-22B8-4C85-AFCB-62575C9B6809}"/>
+              </a:ext>
+            </a:extLst>
+          </p:cNvPr>
+          <p:cNvPicPr>
+            <a:picLocks noGrp="1" noChangeAspect="1" noChangeArrowheads="1"/>
+          </p:cNvPicPr>
+          <p:nvPr>
+            <p:ph sz="half" idx="1"/>
+          </p:nvPr>
+        </p:nvPicPr>
+        <p:blipFill>
+          <a:blip r:embed="rId2">
+            <a:extLst>
+              <a:ext uri="{28A0092B-C50C-407E-A947-70E740481C1C}">
+                <a14:useLocalDpi xmlns:a14="http://schemas.microsoft.com/office/drawing/2010/main" val="0"/>
+              </a:ext>
+            </a:extLst>
+          </a:blip>
+          <a:srcRect/>
+          <a:stretch>
+            <a:fillRect/>
+          </a:stretch>
+        </p:blipFill>
+        <p:spPr bwMode="auto">
+          <a:xfrm>
+            <a:off x="2230865" y="917882"/>
+            <a:ext cx="7079042" cy="5162550"/>
+          </a:xfrm>
+          <a:prstGeom prst="rect">
+            <a:avLst/>
+          </a:prstGeom>
+          <a:noFill/>
+          <a:extLst>
+            <a:ext uri="{909E8E84-426E-40DD-AFC4-6F175D3DCCD1}">
+              <a14:hiddenFill xmlns:a14="http://schemas.microsoft.com/office/drawing/2010/main">
+                <a:solidFill>
+                  <a:srgbClr val="FFFFFF"/>
+                </a:solidFill>
+              </a14:hiddenFill>
+            </a:ext>
+          </a:extLst>
+        </p:spPr>
+      </p:pic>
+      <p:sp>
+        <p:nvSpPr>
+          <p:cNvPr id="7" name="Textfeld 6">
+            <a:extLst>
+              <a:ext uri="{FF2B5EF4-FFF2-40B4-BE49-F238E27FC236}">
+                <a16:creationId xmlns:a16="http://schemas.microsoft.com/office/drawing/2014/main" id="{286C4F68-BA48-43FA-A161-70D47B25B452}"/>
+              </a:ext>
+            </a:extLst>
+          </p:cNvPr>
+          <p:cNvSpPr txBox="1"/>
+          <p:nvPr/>
+        </p:nvSpPr>
+        <p:spPr>
+          <a:xfrm>
+            <a:off x="5967662" y="5940118"/>
+            <a:ext cx="3144253" cy="253916"/>
+          </a:xfrm>
+          <a:prstGeom prst="rect">
+            <a:avLst/>
+          </a:prstGeom>
+          <a:noFill/>
+        </p:spPr>
+        <p:txBody>
+          <a:bodyPr wrap="square" rtlCol="0">
+            <a:spAutoFit/>
+          </a:bodyPr>
+          <a:lstStyle/>
+          <a:p>
+            <a:pPr algn="r"/>
+            <a:r>
+              <a:rPr lang="de-DE" sz="1050" dirty="0"/>
+              <a:t>https://rieckpil.de/whatis-graalvm/</a:t>
+            </a:r>
+          </a:p>
+        </p:txBody>
+      </p:sp>
+    </p:spTree>
+    <p:extLst>
+      <p:ext uri="{BB962C8B-B14F-4D97-AF65-F5344CB8AC3E}">
+        <p14:creationId xmlns:p14="http://schemas.microsoft.com/office/powerpoint/2010/main" val="1344474002"/>
+      </p:ext>
+    </p:extLst>
+  </p:cSld>
+  <p:clrMapOvr>
+    <a:masterClrMapping/>
+  </p:clrMapOvr>
+</p:sld>
+</file>
+
+<file path=ppt/slides/slide15.xml><?xml version="1.0" encoding="utf-8"?>
+<p:sld xmlns:a="http://schemas.openxmlformats.org/drawingml/2006/main" xmlns:r="http://schemas.openxmlformats.org/officeDocument/2006/relationships" xmlns:p="http://schemas.openxmlformats.org/presentationml/2006/main">
+  <p:cSld>
+    <p:spTree>
+      <p:nvGrpSpPr>
+        <p:cNvPr id="1" name=""/>
+        <p:cNvGrpSpPr/>
+        <p:nvPr/>
+      </p:nvGrpSpPr>
+      <p:grpSpPr>
+        <a:xfrm>
+          <a:off x="0" y="0"/>
+          <a:ext cx="0" cy="0"/>
+          <a:chOff x="0" y="0"/>
+          <a:chExt cx="0" cy="0"/>
+        </a:xfrm>
+      </p:grpSpPr>
       <p:pic>
         <p:nvPicPr>
           <p:cNvPr id="8" name="Grafik 7">
@@ -11701,7 +11923,7 @@
           <a:p>
             <a:fld id="{BBC87CA2-7062-4E12-8384-9E01394495A9}" type="datetime1">
               <a:rPr lang="de-DE" smtClean="0"/>
-              <a:t>15.09.2021</a:t>
+              <a:t>23.09.2021</a:t>
             </a:fld>
             <a:endParaRPr lang="de-DE"/>
           </a:p>
@@ -11730,7 +11952,7 @@
           <a:p>
             <a:fld id="{948D4F86-A8FF-4343-B276-EF54A31C77D2}" type="slidenum">
               <a:rPr lang="de-DE" smtClean="0"/>
-              <a:t>14</a:t>
+              <a:t>15</a:t>
             </a:fld>
             <a:endParaRPr lang="de-DE"/>
           </a:p>
@@ -12153,316 +12375,6 @@
 </p:sld>
 </file>
 
-<file path=ppt/slides/slide15.xml><?xml version="1.0" encoding="utf-8"?>
-<p:sld xmlns:a="http://schemas.openxmlformats.org/drawingml/2006/main" xmlns:r="http://schemas.openxmlformats.org/officeDocument/2006/relationships" xmlns:p="http://schemas.openxmlformats.org/presentationml/2006/main">
-  <p:cSld>
-    <p:spTree>
-      <p:nvGrpSpPr>
-        <p:cNvPr id="1" name=""/>
-        <p:cNvGrpSpPr/>
-        <p:nvPr/>
-      </p:nvGrpSpPr>
-      <p:grpSpPr>
-        <a:xfrm>
-          <a:off x="0" y="0"/>
-          <a:ext cx="0" cy="0"/>
-          <a:chOff x="0" y="0"/>
-          <a:chExt cx="0" cy="0"/>
-        </a:xfrm>
-      </p:grpSpPr>
-      <p:sp>
-        <p:nvSpPr>
-          <p:cNvPr id="2" name="Bildplatzhalter 1">
-            <a:extLst>
-              <a:ext uri="{FF2B5EF4-FFF2-40B4-BE49-F238E27FC236}">
-                <a16:creationId xmlns:a16="http://schemas.microsoft.com/office/drawing/2014/main" id="{4860CEDD-2351-4C2B-9FEF-BCA825FAF013}"/>
-              </a:ext>
-            </a:extLst>
-          </p:cNvPr>
-          <p:cNvSpPr>
-            <a:spLocks noGrp="1"/>
-          </p:cNvSpPr>
-          <p:nvPr>
-            <p:ph type="pic" sz="quarter" idx="13"/>
-          </p:nvPr>
-        </p:nvSpPr>
-        <p:spPr/>
-      </p:sp>
-      <p:sp>
-        <p:nvSpPr>
-          <p:cNvPr id="3" name="Inhaltsplatzhalter 2">
-            <a:extLst>
-              <a:ext uri="{FF2B5EF4-FFF2-40B4-BE49-F238E27FC236}">
-                <a16:creationId xmlns:a16="http://schemas.microsoft.com/office/drawing/2014/main" id="{5A724860-E55E-4C83-8C82-6C0D2DECABA4}"/>
-              </a:ext>
-            </a:extLst>
-          </p:cNvPr>
-          <p:cNvSpPr>
-            <a:spLocks noGrp="1"/>
-          </p:cNvSpPr>
-          <p:nvPr>
-            <p:ph sz="half" idx="1"/>
-          </p:nvPr>
-        </p:nvSpPr>
-        <p:spPr/>
-        <p:txBody>
-          <a:bodyPr/>
-          <a:lstStyle/>
-          <a:p>
-            <a:pPr marL="342900" indent="-342900">
-              <a:buFont typeface="Arial" panose="020B0604020202020204" pitchFamily="34" charset="0"/>
-              <a:buChar char="•"/>
-            </a:pPr>
-            <a:r>
-              <a:rPr lang="de-DE" dirty="0"/>
-              <a:t>Schnittstelle zum Verwalten der Applikation (Host)</a:t>
-            </a:r>
-          </a:p>
-          <a:p>
-            <a:pPr marL="342900" indent="-342900">
-              <a:buFont typeface="Arial" panose="020B0604020202020204" pitchFamily="34" charset="0"/>
-              <a:buChar char="•"/>
-            </a:pPr>
-            <a:r>
-              <a:rPr lang="de-DE" dirty="0" err="1"/>
-              <a:t>Runtime</a:t>
-            </a:r>
-            <a:r>
-              <a:rPr lang="de-DE" dirty="0"/>
-              <a:t> </a:t>
-            </a:r>
-            <a:r>
-              <a:rPr lang="en-US" dirty="0"/>
-              <a:t>(</a:t>
-            </a:r>
-            <a:r>
-              <a:rPr lang="de-DE" dirty="0"/>
-              <a:t>Sprachenabhängig</a:t>
-            </a:r>
-            <a:r>
-              <a:rPr lang="en-US" dirty="0"/>
-              <a:t>)</a:t>
-            </a:r>
-          </a:p>
-          <a:p>
-            <a:pPr marL="342900" indent="-342900">
-              <a:buFont typeface="Arial" panose="020B0604020202020204" pitchFamily="34" charset="0"/>
-              <a:buChar char="•"/>
-            </a:pPr>
-            <a:r>
-              <a:rPr lang="de-DE" dirty="0"/>
-              <a:t>Persistenz-Schicht (block </a:t>
-            </a:r>
-            <a:r>
-              <a:rPr lang="de-DE" dirty="0" err="1"/>
-              <a:t>store</a:t>
-            </a:r>
-            <a:r>
-              <a:rPr lang="de-DE" dirty="0"/>
-              <a:t> vs. Datenbank)</a:t>
-            </a:r>
-          </a:p>
-          <a:p>
-            <a:pPr marL="342900" indent="-342900">
-              <a:buFont typeface="Arial" panose="020B0604020202020204" pitchFamily="34" charset="0"/>
-              <a:buChar char="•"/>
-            </a:pPr>
-            <a:r>
-              <a:rPr lang="de-DE" dirty="0"/>
-              <a:t>Zugriff auf benötigte Middleware</a:t>
-            </a:r>
-          </a:p>
-          <a:p>
-            <a:pPr marL="342900" indent="-342900">
-              <a:buFont typeface="Arial" panose="020B0604020202020204" pitchFamily="34" charset="0"/>
-              <a:buChar char="•"/>
-            </a:pPr>
-            <a:r>
-              <a:rPr lang="de-DE" dirty="0" err="1"/>
-              <a:t>Autmatisiertes</a:t>
-            </a:r>
-            <a:r>
-              <a:rPr lang="de-DE" dirty="0"/>
-              <a:t> Verwalten von Instanzen</a:t>
-            </a:r>
-          </a:p>
-          <a:p>
-            <a:pPr marL="342900" indent="-342900">
-              <a:buFont typeface="Arial" panose="020B0604020202020204" pitchFamily="34" charset="0"/>
-              <a:buChar char="•"/>
-            </a:pPr>
-            <a:r>
-              <a:rPr lang="en-US" dirty="0"/>
-              <a:t>Service Discovery</a:t>
-            </a:r>
-          </a:p>
-          <a:p>
-            <a:pPr marL="342900" indent="-342900">
-              <a:buFont typeface="Arial" panose="020B0604020202020204" pitchFamily="34" charset="0"/>
-              <a:buChar char="•"/>
-            </a:pPr>
-            <a:r>
-              <a:rPr lang="en-US" dirty="0" err="1"/>
-              <a:t>Sicherheitsvorkehrungen</a:t>
-            </a:r>
-            <a:r>
-              <a:rPr lang="en-US" dirty="0"/>
-              <a:t> (</a:t>
-            </a:r>
-            <a:r>
-              <a:rPr lang="en-US" dirty="0" err="1"/>
-              <a:t>z.B.</a:t>
-            </a:r>
-            <a:r>
-              <a:rPr lang="en-US" dirty="0"/>
-              <a:t> </a:t>
-            </a:r>
-            <a:r>
-              <a:rPr lang="en-US" dirty="0" err="1"/>
-              <a:t>Portbegrenzungen</a:t>
-            </a:r>
-            <a:r>
-              <a:rPr lang="en-US" dirty="0"/>
-              <a:t>)</a:t>
-            </a:r>
-          </a:p>
-          <a:p>
-            <a:pPr marL="342900" indent="-342900">
-              <a:buFont typeface="Arial" panose="020B0604020202020204" pitchFamily="34" charset="0"/>
-              <a:buChar char="•"/>
-            </a:pPr>
-            <a:r>
-              <a:rPr lang="en-US" dirty="0" err="1"/>
-              <a:t>Mechanismus</a:t>
-            </a:r>
-            <a:r>
-              <a:rPr lang="en-US" dirty="0"/>
-              <a:t> </a:t>
-            </a:r>
-            <a:r>
-              <a:rPr lang="en-US" dirty="0" err="1"/>
-              <a:t>zur</a:t>
-            </a:r>
-            <a:r>
-              <a:rPr lang="en-US" dirty="0"/>
-              <a:t> </a:t>
-            </a:r>
-            <a:r>
-              <a:rPr lang="en-US" dirty="0" err="1"/>
-              <a:t>Kostengenerierung</a:t>
-            </a:r>
-            <a:endParaRPr lang="de-DE" dirty="0"/>
-          </a:p>
-        </p:txBody>
-      </p:sp>
-      <p:sp>
-        <p:nvSpPr>
-          <p:cNvPr id="4" name="Titel 3">
-            <a:extLst>
-              <a:ext uri="{FF2B5EF4-FFF2-40B4-BE49-F238E27FC236}">
-                <a16:creationId xmlns:a16="http://schemas.microsoft.com/office/drawing/2014/main" id="{BDDA323A-0D9D-4FA7-A989-11C092CDD68C}"/>
-              </a:ext>
-            </a:extLst>
-          </p:cNvPr>
-          <p:cNvSpPr>
-            <a:spLocks noGrp="1"/>
-          </p:cNvSpPr>
-          <p:nvPr>
-            <p:ph type="title"/>
-          </p:nvPr>
-        </p:nvSpPr>
-        <p:spPr/>
-        <p:txBody>
-          <a:bodyPr/>
-          <a:lstStyle/>
-          <a:p>
-            <a:r>
-              <a:rPr lang="de-DE" dirty="0"/>
-              <a:t>Anforderungen an </a:t>
-            </a:r>
-            <a:r>
-              <a:rPr lang="de-DE" dirty="0" err="1"/>
-              <a:t>Deplo</a:t>
-            </a:r>
-            <a:r>
-              <a:rPr lang="en-US" dirty="0" err="1"/>
-              <a:t>ymentplattform</a:t>
-            </a:r>
-            <a:endParaRPr lang="de-DE" dirty="0"/>
-          </a:p>
-        </p:txBody>
-      </p:sp>
-      <p:sp>
-        <p:nvSpPr>
-          <p:cNvPr id="5" name="Datumsplatzhalter 4">
-            <a:extLst>
-              <a:ext uri="{FF2B5EF4-FFF2-40B4-BE49-F238E27FC236}">
-                <a16:creationId xmlns:a16="http://schemas.microsoft.com/office/drawing/2014/main" id="{87D5B7BA-E5FF-4855-A791-4CC2E96424AA}"/>
-              </a:ext>
-            </a:extLst>
-          </p:cNvPr>
-          <p:cNvSpPr>
-            <a:spLocks noGrp="1"/>
-          </p:cNvSpPr>
-          <p:nvPr>
-            <p:ph type="dt" sz="half" idx="2"/>
-          </p:nvPr>
-        </p:nvSpPr>
-        <p:spPr/>
-        <p:txBody>
-          <a:bodyPr/>
-          <a:lstStyle/>
-          <a:p>
-            <a:fld id="{BBC87CA2-7062-4E12-8384-9E01394495A9}" type="datetime1">
-              <a:rPr lang="de-DE" smtClean="0"/>
-              <a:t>15.09.2021</a:t>
-            </a:fld>
-            <a:endParaRPr lang="de-DE"/>
-          </a:p>
-        </p:txBody>
-      </p:sp>
-      <p:sp>
-        <p:nvSpPr>
-          <p:cNvPr id="6" name="Foliennummernplatzhalter 5">
-            <a:extLst>
-              <a:ext uri="{FF2B5EF4-FFF2-40B4-BE49-F238E27FC236}">
-                <a16:creationId xmlns:a16="http://schemas.microsoft.com/office/drawing/2014/main" id="{972251F7-C747-42A9-B918-378681CFE275}"/>
-              </a:ext>
-            </a:extLst>
-          </p:cNvPr>
-          <p:cNvSpPr>
-            <a:spLocks noGrp="1"/>
-          </p:cNvSpPr>
-          <p:nvPr>
-            <p:ph type="sldNum" sz="quarter" idx="4"/>
-          </p:nvPr>
-        </p:nvSpPr>
-        <p:spPr/>
-        <p:txBody>
-          <a:bodyPr/>
-          <a:lstStyle/>
-          <a:p>
-            <a:fld id="{948D4F86-A8FF-4343-B276-EF54A31C77D2}" type="slidenum">
-              <a:rPr lang="de-DE" smtClean="0"/>
-              <a:t>15</a:t>
-            </a:fld>
-            <a:endParaRPr lang="de-DE"/>
-          </a:p>
-        </p:txBody>
-      </p:sp>
-    </p:spTree>
-    <p:extLst>
-      <p:ext uri="{BB962C8B-B14F-4D97-AF65-F5344CB8AC3E}">
-        <p14:creationId xmlns:p14="http://schemas.microsoft.com/office/powerpoint/2010/main" val="44634704"/>
-      </p:ext>
-    </p:extLst>
-  </p:cSld>
-  <p:clrMapOvr>
-    <a:masterClrMapping/>
-  </p:clrMapOvr>
-</p:sld>
-</file>
-
 <file path=ppt/slides/slide16.xml><?xml version="1.0" encoding="utf-8"?>
 <p:sld xmlns:a="http://schemas.openxmlformats.org/drawingml/2006/main" xmlns:r="http://schemas.openxmlformats.org/officeDocument/2006/relationships" xmlns:p="http://schemas.openxmlformats.org/presentationml/2006/main">
   <p:cSld>
@@ -12482,10 +12394,195 @@
       </p:grpSpPr>
       <p:sp>
         <p:nvSpPr>
+          <p:cNvPr id="2" name="Bildplatzhalter 1">
+            <a:extLst>
+              <a:ext uri="{FF2B5EF4-FFF2-40B4-BE49-F238E27FC236}">
+                <a16:creationId xmlns:a16="http://schemas.microsoft.com/office/drawing/2014/main" id="{4860CEDD-2351-4C2B-9FEF-BCA825FAF013}"/>
+              </a:ext>
+            </a:extLst>
+          </p:cNvPr>
+          <p:cNvSpPr>
+            <a:spLocks noGrp="1"/>
+          </p:cNvSpPr>
+          <p:nvPr>
+            <p:ph type="pic" sz="quarter" idx="13"/>
+          </p:nvPr>
+        </p:nvSpPr>
+        <p:spPr/>
+      </p:sp>
+      <p:sp>
+        <p:nvSpPr>
+          <p:cNvPr id="3" name="Inhaltsplatzhalter 2">
+            <a:extLst>
+              <a:ext uri="{FF2B5EF4-FFF2-40B4-BE49-F238E27FC236}">
+                <a16:creationId xmlns:a16="http://schemas.microsoft.com/office/drawing/2014/main" id="{5A724860-E55E-4C83-8C82-6C0D2DECABA4}"/>
+              </a:ext>
+            </a:extLst>
+          </p:cNvPr>
+          <p:cNvSpPr>
+            <a:spLocks noGrp="1"/>
+          </p:cNvSpPr>
+          <p:nvPr>
+            <p:ph sz="half" idx="1"/>
+          </p:nvPr>
+        </p:nvSpPr>
+        <p:spPr/>
+        <p:txBody>
+          <a:bodyPr/>
+          <a:lstStyle/>
+          <a:p>
+            <a:pPr marL="342900" indent="-342900">
+              <a:buFont typeface="Arial" panose="020B0604020202020204" pitchFamily="34" charset="0"/>
+              <a:buChar char="•"/>
+            </a:pPr>
+            <a:r>
+              <a:rPr lang="de-DE" dirty="0"/>
+              <a:t>Schnittstelle zum Verwalten der Applikation (Host)</a:t>
+            </a:r>
+          </a:p>
+          <a:p>
+            <a:pPr marL="342900" indent="-342900">
+              <a:buFont typeface="Arial" panose="020B0604020202020204" pitchFamily="34" charset="0"/>
+              <a:buChar char="•"/>
+            </a:pPr>
+            <a:r>
+              <a:rPr lang="de-DE" dirty="0" err="1"/>
+              <a:t>Runtime</a:t>
+            </a:r>
+            <a:r>
+              <a:rPr lang="de-DE" dirty="0"/>
+              <a:t> </a:t>
+            </a:r>
+            <a:r>
+              <a:rPr lang="en-US" dirty="0"/>
+              <a:t>(</a:t>
+            </a:r>
+            <a:r>
+              <a:rPr lang="de-DE" dirty="0"/>
+              <a:t>Sprachenabhängig</a:t>
+            </a:r>
+            <a:r>
+              <a:rPr lang="en-US" dirty="0"/>
+              <a:t>)</a:t>
+            </a:r>
+          </a:p>
+          <a:p>
+            <a:pPr marL="342900" indent="-342900">
+              <a:buFont typeface="Arial" panose="020B0604020202020204" pitchFamily="34" charset="0"/>
+              <a:buChar char="•"/>
+            </a:pPr>
+            <a:r>
+              <a:rPr lang="de-DE" dirty="0"/>
+              <a:t>Persistenz-Schicht (block </a:t>
+            </a:r>
+            <a:r>
+              <a:rPr lang="de-DE" dirty="0" err="1"/>
+              <a:t>store</a:t>
+            </a:r>
+            <a:r>
+              <a:rPr lang="de-DE" dirty="0"/>
+              <a:t> vs. Datenbank)</a:t>
+            </a:r>
+          </a:p>
+          <a:p>
+            <a:pPr marL="342900" indent="-342900">
+              <a:buFont typeface="Arial" panose="020B0604020202020204" pitchFamily="34" charset="0"/>
+              <a:buChar char="•"/>
+            </a:pPr>
+            <a:r>
+              <a:rPr lang="de-DE" dirty="0"/>
+              <a:t>Zugriff auf benötigte Middleware</a:t>
+            </a:r>
+          </a:p>
+          <a:p>
+            <a:pPr marL="342900" indent="-342900">
+              <a:buFont typeface="Arial" panose="020B0604020202020204" pitchFamily="34" charset="0"/>
+              <a:buChar char="•"/>
+            </a:pPr>
+            <a:r>
+              <a:rPr lang="de-DE" dirty="0" err="1"/>
+              <a:t>Autmatisiertes</a:t>
+            </a:r>
+            <a:r>
+              <a:rPr lang="de-DE" dirty="0"/>
+              <a:t> Verwalten von Instanzen</a:t>
+            </a:r>
+          </a:p>
+          <a:p>
+            <a:pPr marL="342900" indent="-342900">
+              <a:buFont typeface="Arial" panose="020B0604020202020204" pitchFamily="34" charset="0"/>
+              <a:buChar char="•"/>
+            </a:pPr>
+            <a:r>
+              <a:rPr lang="en-US" dirty="0"/>
+              <a:t>Service Discovery</a:t>
+            </a:r>
+          </a:p>
+          <a:p>
+            <a:pPr marL="342900" indent="-342900">
+              <a:buFont typeface="Arial" panose="020B0604020202020204" pitchFamily="34" charset="0"/>
+              <a:buChar char="•"/>
+            </a:pPr>
+            <a:r>
+              <a:rPr lang="en-US" dirty="0" err="1"/>
+              <a:t>Sicherheitsvorkehrungen</a:t>
+            </a:r>
+            <a:r>
+              <a:rPr lang="en-US" dirty="0"/>
+              <a:t> (</a:t>
+            </a:r>
+            <a:r>
+              <a:rPr lang="en-US" dirty="0" err="1"/>
+              <a:t>z.B.</a:t>
+            </a:r>
+            <a:r>
+              <a:rPr lang="en-US" dirty="0"/>
+              <a:t> </a:t>
+            </a:r>
+            <a:r>
+              <a:rPr lang="en-US" dirty="0" err="1"/>
+              <a:t>Portbegrenzungen</a:t>
+            </a:r>
+            <a:r>
+              <a:rPr lang="en-US" dirty="0"/>
+              <a:t>)</a:t>
+            </a:r>
+          </a:p>
+          <a:p>
+            <a:pPr marL="342900" indent="-342900">
+              <a:buFont typeface="Arial" panose="020B0604020202020204" pitchFamily="34" charset="0"/>
+              <a:buChar char="•"/>
+            </a:pPr>
+            <a:r>
+              <a:rPr lang="en-US" dirty="0" err="1"/>
+              <a:t>Mechanismus</a:t>
+            </a:r>
+            <a:r>
+              <a:rPr lang="en-US" dirty="0"/>
+              <a:t> </a:t>
+            </a:r>
+            <a:r>
+              <a:rPr lang="en-US" dirty="0" err="1"/>
+              <a:t>zur</a:t>
+            </a:r>
+            <a:r>
+              <a:rPr lang="en-US" dirty="0"/>
+              <a:t> </a:t>
+            </a:r>
+            <a:r>
+              <a:rPr lang="en-US" dirty="0" err="1"/>
+              <a:t>Kostengenerierung</a:t>
+            </a:r>
+            <a:endParaRPr lang="de-DE" dirty="0"/>
+          </a:p>
+        </p:txBody>
+      </p:sp>
+      <p:sp>
+        <p:nvSpPr>
           <p:cNvPr id="4" name="Titel 3">
             <a:extLst>
               <a:ext uri="{FF2B5EF4-FFF2-40B4-BE49-F238E27FC236}">
-                <a16:creationId xmlns:a16="http://schemas.microsoft.com/office/drawing/2014/main" id="{CB7B63F8-A9F5-4367-AB7B-E8952562DD1E}"/>
+                <a16:creationId xmlns:a16="http://schemas.microsoft.com/office/drawing/2014/main" id="{BDDA323A-0D9D-4FA7-A989-11C092CDD68C}"/>
               </a:ext>
             </a:extLst>
           </p:cNvPr>
@@ -12502,9 +12599,18 @@
           <a:lstStyle/>
           <a:p>
             <a:r>
-              <a:rPr lang="de-DE" noProof="0" dirty="0"/>
-              <a:t>Implementierung des Prototypen</a:t>
-            </a:r>
+              <a:rPr lang="de-DE" dirty="0"/>
+              <a:t>Anforderungen an </a:t>
+            </a:r>
+            <a:r>
+              <a:rPr lang="de-DE" dirty="0" err="1"/>
+              <a:t>Deplo</a:t>
+            </a:r>
+            <a:r>
+              <a:rPr lang="en-US" dirty="0" err="1"/>
+              <a:t>ymentplattform</a:t>
+            </a:r>
+            <a:endParaRPr lang="de-DE" dirty="0"/>
           </a:p>
         </p:txBody>
       </p:sp>
@@ -12513,7 +12619,7 @@
           <p:cNvPr id="5" name="Datumsplatzhalter 4">
             <a:extLst>
               <a:ext uri="{FF2B5EF4-FFF2-40B4-BE49-F238E27FC236}">
-                <a16:creationId xmlns:a16="http://schemas.microsoft.com/office/drawing/2014/main" id="{230D8C36-CC7A-4F37-93B1-CB8D971824D4}"/>
+                <a16:creationId xmlns:a16="http://schemas.microsoft.com/office/drawing/2014/main" id="{87D5B7BA-E5FF-4855-A791-4CC2E96424AA}"/>
               </a:ext>
             </a:extLst>
           </p:cNvPr>
@@ -12531,7 +12637,7 @@
           <a:p>
             <a:fld id="{BBC87CA2-7062-4E12-8384-9E01394495A9}" type="datetime1">
               <a:rPr lang="de-DE" smtClean="0"/>
-              <a:t>15.09.2021</a:t>
+              <a:t>23.09.2021</a:t>
             </a:fld>
             <a:endParaRPr lang="de-DE"/>
           </a:p>
@@ -12542,7 +12648,7 @@
           <p:cNvPr id="6" name="Foliennummernplatzhalter 5">
             <a:extLst>
               <a:ext uri="{FF2B5EF4-FFF2-40B4-BE49-F238E27FC236}">
-                <a16:creationId xmlns:a16="http://schemas.microsoft.com/office/drawing/2014/main" id="{841436DA-FB24-4AA5-B462-BE36BF547D89}"/>
+                <a16:creationId xmlns:a16="http://schemas.microsoft.com/office/drawing/2014/main" id="{972251F7-C747-42A9-B918-378681CFE275}"/>
               </a:ext>
             </a:extLst>
           </p:cNvPr>
@@ -12566,81 +12672,10 @@
           </a:p>
         </p:txBody>
       </p:sp>
-      <p:pic>
-        <p:nvPicPr>
-          <p:cNvPr id="9" name="Inhaltsplatzhalter 8">
-            <a:extLst>
-              <a:ext uri="{FF2B5EF4-FFF2-40B4-BE49-F238E27FC236}">
-                <a16:creationId xmlns:a16="http://schemas.microsoft.com/office/drawing/2014/main" id="{37F3D550-7F55-425C-AD82-FBAB5F7D208A}"/>
-              </a:ext>
-            </a:extLst>
-          </p:cNvPr>
-          <p:cNvPicPr>
-            <a:picLocks noGrp="1" noChangeAspect="1"/>
-          </p:cNvPicPr>
-          <p:nvPr>
-            <p:ph sz="half" idx="1"/>
-          </p:nvPr>
-        </p:nvPicPr>
-        <p:blipFill>
-          <a:blip r:embed="rId3">
-            <a:extLst>
-              <a:ext uri="{28A0092B-C50C-407E-A947-70E740481C1C}">
-                <a14:useLocalDpi xmlns:a14="http://schemas.microsoft.com/office/drawing/2010/main" val="0"/>
-              </a:ext>
-            </a:extLst>
-          </a:blip>
-          <a:stretch>
-            <a:fillRect/>
-          </a:stretch>
-        </p:blipFill>
-        <p:spPr>
-          <a:xfrm>
-            <a:off x="748381" y="1209952"/>
-            <a:ext cx="10695238" cy="4438095"/>
-          </a:xfrm>
-        </p:spPr>
-      </p:pic>
-      <p:sp>
-        <p:nvSpPr>
-          <p:cNvPr id="7" name="Textfeld 6">
-            <a:extLst>
-              <a:ext uri="{FF2B5EF4-FFF2-40B4-BE49-F238E27FC236}">
-                <a16:creationId xmlns:a16="http://schemas.microsoft.com/office/drawing/2014/main" id="{F5CFB1B1-BF27-4B78-B6DA-DD7CD7862A3E}"/>
-              </a:ext>
-            </a:extLst>
-          </p:cNvPr>
-          <p:cNvSpPr txBox="1"/>
-          <p:nvPr/>
-        </p:nvSpPr>
-        <p:spPr>
-          <a:xfrm>
-            <a:off x="8030312" y="5521089"/>
-            <a:ext cx="2683156" cy="253916"/>
-          </a:xfrm>
-          <a:prstGeom prst="rect">
-            <a:avLst/>
-          </a:prstGeom>
-          <a:noFill/>
-        </p:spPr>
-        <p:txBody>
-          <a:bodyPr wrap="square" rtlCol="0">
-            <a:spAutoFit/>
-          </a:bodyPr>
-          <a:lstStyle/>
-          <a:p>
-            <a:pPr algn="r"/>
-            <a:r>
-              <a:rPr lang="en-US" sz="1050" dirty="0"/>
-              <a:t>Quelle: Hoffmann – Bsc. Thesis</a:t>
-            </a:r>
-          </a:p>
-        </p:txBody>
-      </p:sp>
     </p:spTree>
     <p:extLst>
       <p:ext uri="{BB962C8B-B14F-4D97-AF65-F5344CB8AC3E}">
-        <p14:creationId xmlns:p14="http://schemas.microsoft.com/office/powerpoint/2010/main" val="4030245004"/>
+        <p14:creationId xmlns:p14="http://schemas.microsoft.com/office/powerpoint/2010/main" val="44634704"/>
       </p:ext>
     </p:extLst>
   </p:cSld>
@@ -12667,6 +12702,193 @@
           <a:chExt cx="0" cy="0"/>
         </a:xfrm>
       </p:grpSpPr>
+      <p:sp>
+        <p:nvSpPr>
+          <p:cNvPr id="4" name="Titel 3">
+            <a:extLst>
+              <a:ext uri="{FF2B5EF4-FFF2-40B4-BE49-F238E27FC236}">
+                <a16:creationId xmlns:a16="http://schemas.microsoft.com/office/drawing/2014/main" id="{CB7B63F8-A9F5-4367-AB7B-E8952562DD1E}"/>
+              </a:ext>
+            </a:extLst>
+          </p:cNvPr>
+          <p:cNvSpPr>
+            <a:spLocks noGrp="1"/>
+          </p:cNvSpPr>
+          <p:nvPr>
+            <p:ph type="title"/>
+          </p:nvPr>
+        </p:nvSpPr>
+        <p:spPr/>
+        <p:txBody>
+          <a:bodyPr/>
+          <a:lstStyle/>
+          <a:p>
+            <a:r>
+              <a:rPr lang="de-DE" noProof="0" dirty="0"/>
+              <a:t>Implementierung des Prototypen</a:t>
+            </a:r>
+          </a:p>
+        </p:txBody>
+      </p:sp>
+      <p:sp>
+        <p:nvSpPr>
+          <p:cNvPr id="5" name="Datumsplatzhalter 4">
+            <a:extLst>
+              <a:ext uri="{FF2B5EF4-FFF2-40B4-BE49-F238E27FC236}">
+                <a16:creationId xmlns:a16="http://schemas.microsoft.com/office/drawing/2014/main" id="{230D8C36-CC7A-4F37-93B1-CB8D971824D4}"/>
+              </a:ext>
+            </a:extLst>
+          </p:cNvPr>
+          <p:cNvSpPr>
+            <a:spLocks noGrp="1"/>
+          </p:cNvSpPr>
+          <p:nvPr>
+            <p:ph type="dt" sz="half" idx="2"/>
+          </p:nvPr>
+        </p:nvSpPr>
+        <p:spPr/>
+        <p:txBody>
+          <a:bodyPr/>
+          <a:lstStyle/>
+          <a:p>
+            <a:fld id="{BBC87CA2-7062-4E12-8384-9E01394495A9}" type="datetime1">
+              <a:rPr lang="de-DE" smtClean="0"/>
+              <a:t>23.09.2021</a:t>
+            </a:fld>
+            <a:endParaRPr lang="de-DE"/>
+          </a:p>
+        </p:txBody>
+      </p:sp>
+      <p:sp>
+        <p:nvSpPr>
+          <p:cNvPr id="6" name="Foliennummernplatzhalter 5">
+            <a:extLst>
+              <a:ext uri="{FF2B5EF4-FFF2-40B4-BE49-F238E27FC236}">
+                <a16:creationId xmlns:a16="http://schemas.microsoft.com/office/drawing/2014/main" id="{841436DA-FB24-4AA5-B462-BE36BF547D89}"/>
+              </a:ext>
+            </a:extLst>
+          </p:cNvPr>
+          <p:cNvSpPr>
+            <a:spLocks noGrp="1"/>
+          </p:cNvSpPr>
+          <p:nvPr>
+            <p:ph type="sldNum" sz="quarter" idx="4"/>
+          </p:nvPr>
+        </p:nvSpPr>
+        <p:spPr/>
+        <p:txBody>
+          <a:bodyPr/>
+          <a:lstStyle/>
+          <a:p>
+            <a:fld id="{948D4F86-A8FF-4343-B276-EF54A31C77D2}" type="slidenum">
+              <a:rPr lang="de-DE" smtClean="0"/>
+              <a:t>17</a:t>
+            </a:fld>
+            <a:endParaRPr lang="de-DE"/>
+          </a:p>
+        </p:txBody>
+      </p:sp>
+      <p:pic>
+        <p:nvPicPr>
+          <p:cNvPr id="9" name="Inhaltsplatzhalter 8">
+            <a:extLst>
+              <a:ext uri="{FF2B5EF4-FFF2-40B4-BE49-F238E27FC236}">
+                <a16:creationId xmlns:a16="http://schemas.microsoft.com/office/drawing/2014/main" id="{37F3D550-7F55-425C-AD82-FBAB5F7D208A}"/>
+              </a:ext>
+            </a:extLst>
+          </p:cNvPr>
+          <p:cNvPicPr>
+            <a:picLocks noGrp="1" noChangeAspect="1"/>
+          </p:cNvPicPr>
+          <p:nvPr>
+            <p:ph sz="half" idx="1"/>
+          </p:nvPr>
+        </p:nvPicPr>
+        <p:blipFill>
+          <a:blip r:embed="rId3">
+            <a:extLst>
+              <a:ext uri="{28A0092B-C50C-407E-A947-70E740481C1C}">
+                <a14:useLocalDpi xmlns:a14="http://schemas.microsoft.com/office/drawing/2010/main" val="0"/>
+              </a:ext>
+            </a:extLst>
+          </a:blip>
+          <a:stretch>
+            <a:fillRect/>
+          </a:stretch>
+        </p:blipFill>
+        <p:spPr>
+          <a:xfrm>
+            <a:off x="748381" y="1209952"/>
+            <a:ext cx="10695238" cy="4438095"/>
+          </a:xfrm>
+        </p:spPr>
+      </p:pic>
+      <p:sp>
+        <p:nvSpPr>
+          <p:cNvPr id="7" name="Textfeld 6">
+            <a:extLst>
+              <a:ext uri="{FF2B5EF4-FFF2-40B4-BE49-F238E27FC236}">
+                <a16:creationId xmlns:a16="http://schemas.microsoft.com/office/drawing/2014/main" id="{F5CFB1B1-BF27-4B78-B6DA-DD7CD7862A3E}"/>
+              </a:ext>
+            </a:extLst>
+          </p:cNvPr>
+          <p:cNvSpPr txBox="1"/>
+          <p:nvPr/>
+        </p:nvSpPr>
+        <p:spPr>
+          <a:xfrm>
+            <a:off x="8030312" y="5521089"/>
+            <a:ext cx="2683156" cy="253916"/>
+          </a:xfrm>
+          <a:prstGeom prst="rect">
+            <a:avLst/>
+          </a:prstGeom>
+          <a:noFill/>
+        </p:spPr>
+        <p:txBody>
+          <a:bodyPr wrap="square" rtlCol="0">
+            <a:spAutoFit/>
+          </a:bodyPr>
+          <a:lstStyle/>
+          <a:p>
+            <a:pPr algn="r"/>
+            <a:r>
+              <a:rPr lang="en-US" sz="1050" dirty="0"/>
+              <a:t>Quelle: Hoffmann – Bsc. Thesis</a:t>
+            </a:r>
+          </a:p>
+        </p:txBody>
+      </p:sp>
+    </p:spTree>
+    <p:extLst>
+      <p:ext uri="{BB962C8B-B14F-4D97-AF65-F5344CB8AC3E}">
+        <p14:creationId xmlns:p14="http://schemas.microsoft.com/office/powerpoint/2010/main" val="4030245004"/>
+      </p:ext>
+    </p:extLst>
+  </p:cSld>
+  <p:clrMapOvr>
+    <a:masterClrMapping/>
+  </p:clrMapOvr>
+</p:sld>
+</file>
+
+<file path=ppt/slides/slide18.xml><?xml version="1.0" encoding="utf-8"?>
+<p:sld xmlns:a="http://schemas.openxmlformats.org/drawingml/2006/main" xmlns:r="http://schemas.openxmlformats.org/officeDocument/2006/relationships" xmlns:p="http://schemas.openxmlformats.org/presentationml/2006/main">
+  <p:cSld>
+    <p:spTree>
+      <p:nvGrpSpPr>
+        <p:cNvPr id="1" name=""/>
+        <p:cNvGrpSpPr/>
+        <p:nvPr/>
+      </p:nvGrpSpPr>
+      <p:grpSpPr>
+        <a:xfrm>
+          <a:off x="0" y="0"/>
+          <a:ext cx="0" cy="0"/>
+          <a:chOff x="0" y="0"/>
+          <a:chExt cx="0" cy="0"/>
+        </a:xfrm>
+      </p:grpSpPr>
       <p:pic>
         <p:nvPicPr>
           <p:cNvPr id="8" name="Inhaltsplatzhalter 7" descr="Ein Bild, das Tisch enthält.&#10;&#10;Automatisch generierte Beschreibung">
@@ -12756,7 +12978,7 @@
           <a:p>
             <a:fld id="{BBC87CA2-7062-4E12-8384-9E01394495A9}" type="datetime1">
               <a:rPr lang="de-DE" smtClean="0"/>
-              <a:t>15.09.2021</a:t>
+              <a:t>23.09.2021</a:t>
             </a:fld>
             <a:endParaRPr lang="de-DE"/>
           </a:p>
@@ -12785,7 +13007,7 @@
           <a:p>
             <a:fld id="{948D4F86-A8FF-4343-B276-EF54A31C77D2}" type="slidenum">
               <a:rPr lang="de-DE" smtClean="0"/>
-              <a:t>17</a:t>
+              <a:t>18</a:t>
             </a:fld>
             <a:endParaRPr lang="de-DE"/>
           </a:p>
@@ -12834,7 +13056,7 @@
 </p:sld>
 </file>
 
-<file path=ppt/slides/slide18.xml><?xml version="1.0" encoding="utf-8"?>
+<file path=ppt/slides/slide19.xml><?xml version="1.0" encoding="utf-8"?>
 <p:sld xmlns:a="http://schemas.openxmlformats.org/drawingml/2006/main" xmlns:r="http://schemas.openxmlformats.org/officeDocument/2006/relationships" xmlns:p="http://schemas.openxmlformats.org/presentationml/2006/main">
   <p:cSld>
     <p:spTree>
@@ -12942,7 +13164,7 @@
           <a:p>
             <a:fld id="{BBC87CA2-7062-4E12-8384-9E01394495A9}" type="datetime1">
               <a:rPr lang="de-DE" smtClean="0"/>
-              <a:t>15.09.2021</a:t>
+              <a:t>23.09.2021</a:t>
             </a:fld>
             <a:endParaRPr lang="de-DE"/>
           </a:p>
@@ -12971,7 +13193,7 @@
           <a:p>
             <a:fld id="{948D4F86-A8FF-4343-B276-EF54A31C77D2}" type="slidenum">
               <a:rPr lang="de-DE" smtClean="0"/>
-              <a:t>18</a:t>
+              <a:t>19</a:t>
             </a:fld>
             <a:endParaRPr lang="de-DE"/>
           </a:p>
@@ -13035,194 +13257,6 @@
     <p:extLst>
       <p:ext uri="{BB962C8B-B14F-4D97-AF65-F5344CB8AC3E}">
         <p14:creationId xmlns:p14="http://schemas.microsoft.com/office/powerpoint/2010/main" val="716166620"/>
-      </p:ext>
-    </p:extLst>
-  </p:cSld>
-  <p:clrMapOvr>
-    <a:masterClrMapping/>
-  </p:clrMapOvr>
-</p:sld>
-</file>
-
-<file path=ppt/slides/slide19.xml><?xml version="1.0" encoding="utf-8"?>
-<p:sld xmlns:a="http://schemas.openxmlformats.org/drawingml/2006/main" xmlns:r="http://schemas.openxmlformats.org/officeDocument/2006/relationships" xmlns:p="http://schemas.openxmlformats.org/presentationml/2006/main">
-  <p:cSld>
-    <p:spTree>
-      <p:nvGrpSpPr>
-        <p:cNvPr id="1" name=""/>
-        <p:cNvGrpSpPr/>
-        <p:nvPr/>
-      </p:nvGrpSpPr>
-      <p:grpSpPr>
-        <a:xfrm>
-          <a:off x="0" y="0"/>
-          <a:ext cx="0" cy="0"/>
-          <a:chOff x="0" y="0"/>
-          <a:chExt cx="0" cy="0"/>
-        </a:xfrm>
-      </p:grpSpPr>
-      <p:pic>
-        <p:nvPicPr>
-          <p:cNvPr id="12" name="Inhaltsplatzhalter 11">
-            <a:extLst>
-              <a:ext uri="{FF2B5EF4-FFF2-40B4-BE49-F238E27FC236}">
-                <a16:creationId xmlns:a16="http://schemas.microsoft.com/office/drawing/2014/main" id="{0435BE3E-870C-4D3E-A9C0-353373291119}"/>
-              </a:ext>
-            </a:extLst>
-          </p:cNvPr>
-          <p:cNvPicPr>
-            <a:picLocks noGrp="1" noChangeAspect="1"/>
-          </p:cNvPicPr>
-          <p:nvPr>
-            <p:ph sz="half" idx="1"/>
-          </p:nvPr>
-        </p:nvPicPr>
-        <p:blipFill>
-          <a:blip r:embed="rId2">
-            <a:extLst>
-              <a:ext uri="{28A0092B-C50C-407E-A947-70E740481C1C}">
-                <a14:useLocalDpi xmlns:a14="http://schemas.microsoft.com/office/drawing/2010/main" val="0"/>
-              </a:ext>
-            </a:extLst>
-          </a:blip>
-          <a:stretch>
-            <a:fillRect/>
-          </a:stretch>
-        </p:blipFill>
-        <p:spPr>
-          <a:xfrm>
-            <a:off x="2547858" y="695950"/>
-            <a:ext cx="7096284" cy="4837423"/>
-          </a:xfrm>
-        </p:spPr>
-      </p:pic>
-      <p:sp>
-        <p:nvSpPr>
-          <p:cNvPr id="4" name="Titel 3">
-            <a:extLst>
-              <a:ext uri="{FF2B5EF4-FFF2-40B4-BE49-F238E27FC236}">
-                <a16:creationId xmlns:a16="http://schemas.microsoft.com/office/drawing/2014/main" id="{BE3FE475-2A60-4EE7-9D61-89C132803C75}"/>
-              </a:ext>
-            </a:extLst>
-          </p:cNvPr>
-          <p:cNvSpPr>
-            <a:spLocks noGrp="1"/>
-          </p:cNvSpPr>
-          <p:nvPr>
-            <p:ph type="title"/>
-          </p:nvPr>
-        </p:nvSpPr>
-        <p:spPr/>
-        <p:txBody>
-          <a:bodyPr/>
-          <a:lstStyle/>
-          <a:p>
-            <a:r>
-              <a:rPr lang="en-US" dirty="0"/>
-              <a:t>Tier - Modell</a:t>
-            </a:r>
-            <a:endParaRPr lang="de-DE" dirty="0"/>
-          </a:p>
-        </p:txBody>
-      </p:sp>
-      <p:sp>
-        <p:nvSpPr>
-          <p:cNvPr id="5" name="Datumsplatzhalter 4">
-            <a:extLst>
-              <a:ext uri="{FF2B5EF4-FFF2-40B4-BE49-F238E27FC236}">
-                <a16:creationId xmlns:a16="http://schemas.microsoft.com/office/drawing/2014/main" id="{24C7CAF0-A121-4255-A237-DD3CC8F28423}"/>
-              </a:ext>
-            </a:extLst>
-          </p:cNvPr>
-          <p:cNvSpPr>
-            <a:spLocks noGrp="1"/>
-          </p:cNvSpPr>
-          <p:nvPr>
-            <p:ph type="dt" sz="half" idx="2"/>
-          </p:nvPr>
-        </p:nvSpPr>
-        <p:spPr/>
-        <p:txBody>
-          <a:bodyPr/>
-          <a:lstStyle/>
-          <a:p>
-            <a:fld id="{BBC87CA2-7062-4E12-8384-9E01394495A9}" type="datetime1">
-              <a:rPr lang="de-DE" smtClean="0"/>
-              <a:t>15.09.2021</a:t>
-            </a:fld>
-            <a:endParaRPr lang="de-DE"/>
-          </a:p>
-        </p:txBody>
-      </p:sp>
-      <p:sp>
-        <p:nvSpPr>
-          <p:cNvPr id="6" name="Foliennummernplatzhalter 5">
-            <a:extLst>
-              <a:ext uri="{FF2B5EF4-FFF2-40B4-BE49-F238E27FC236}">
-                <a16:creationId xmlns:a16="http://schemas.microsoft.com/office/drawing/2014/main" id="{1DAD91AF-B77D-4ADD-AB25-D35565EAAB34}"/>
-              </a:ext>
-            </a:extLst>
-          </p:cNvPr>
-          <p:cNvSpPr>
-            <a:spLocks noGrp="1"/>
-          </p:cNvSpPr>
-          <p:nvPr>
-            <p:ph type="sldNum" sz="quarter" idx="4"/>
-          </p:nvPr>
-        </p:nvSpPr>
-        <p:spPr/>
-        <p:txBody>
-          <a:bodyPr/>
-          <a:lstStyle/>
-          <a:p>
-            <a:fld id="{948D4F86-A8FF-4343-B276-EF54A31C77D2}" type="slidenum">
-              <a:rPr lang="de-DE" smtClean="0"/>
-              <a:t>19</a:t>
-            </a:fld>
-            <a:endParaRPr lang="de-DE"/>
-          </a:p>
-        </p:txBody>
-      </p:sp>
-      <p:sp>
-        <p:nvSpPr>
-          <p:cNvPr id="13" name="Textfeld 12">
-            <a:extLst>
-              <a:ext uri="{FF2B5EF4-FFF2-40B4-BE49-F238E27FC236}">
-                <a16:creationId xmlns:a16="http://schemas.microsoft.com/office/drawing/2014/main" id="{74E15251-F8DE-4758-9CB3-DA7E9921DE78}"/>
-              </a:ext>
-            </a:extLst>
-          </p:cNvPr>
-          <p:cNvSpPr txBox="1"/>
-          <p:nvPr/>
-        </p:nvSpPr>
-        <p:spPr>
-          <a:xfrm>
-            <a:off x="2764962" y="5638124"/>
-            <a:ext cx="6879180" cy="253916"/>
-          </a:xfrm>
-          <a:prstGeom prst="rect">
-            <a:avLst/>
-          </a:prstGeom>
-          <a:noFill/>
-        </p:spPr>
-        <p:txBody>
-          <a:bodyPr wrap="square" rtlCol="0">
-            <a:spAutoFit/>
-          </a:bodyPr>
-          <a:lstStyle/>
-          <a:p>
-            <a:pPr algn="r"/>
-            <a:r>
-              <a:rPr lang="en-US" sz="1050" dirty="0"/>
-              <a:t>Quelle: https://www.oreilly.com/library/view/software-architecture-patterns/9781491971437/ch01.html</a:t>
-            </a:r>
-          </a:p>
-        </p:txBody>
-      </p:sp>
-    </p:spTree>
-    <p:extLst>
-      <p:ext uri="{BB962C8B-B14F-4D97-AF65-F5344CB8AC3E}">
-        <p14:creationId xmlns:p14="http://schemas.microsoft.com/office/powerpoint/2010/main" val="3401954207"/>
       </p:ext>
     </p:extLst>
   </p:cSld>
@@ -13335,12 +13369,8 @@
               <a:buChar char="•"/>
             </a:pPr>
             <a:r>
-              <a:rPr lang="en-US" dirty="0" err="1"/>
-              <a:t>Vergleich</a:t>
-            </a:r>
-            <a:r>
-              <a:rPr lang="en-US" dirty="0"/>
-              <a:t>: Serverless / Application Server</a:t>
+              <a:rPr lang="de-DE" dirty="0"/>
+              <a:t>Implementierung Prototyp</a:t>
             </a:r>
           </a:p>
           <a:p>
@@ -13349,8 +13379,29 @@
               <a:buChar char="•"/>
             </a:pPr>
             <a:r>
+              <a:rPr lang="de-DE" dirty="0" err="1"/>
+              <a:t>Lasttest</a:t>
+            </a:r>
+            <a:endParaRPr lang="de-DE" dirty="0"/>
+          </a:p>
+          <a:p>
+            <a:pPr marL="810900" lvl="2" indent="-342900">
+              <a:buFont typeface="Arial" panose="020B0604020202020204" pitchFamily="34" charset="0"/>
+              <a:buChar char="•"/>
+            </a:pPr>
+            <a:r>
               <a:rPr lang="de-DE" dirty="0"/>
-              <a:t>Implementierung Prototyp</a:t>
+              <a:t>Durchführung</a:t>
+            </a:r>
+          </a:p>
+          <a:p>
+            <a:pPr marL="810900" lvl="2" indent="-342900">
+              <a:buFont typeface="Arial" panose="020B0604020202020204" pitchFamily="34" charset="0"/>
+              <a:buChar char="•"/>
+            </a:pPr>
+            <a:r>
+              <a:rPr lang="de-DE" dirty="0"/>
+              <a:t>Analyse / Fazit</a:t>
             </a:r>
           </a:p>
           <a:p>
@@ -13359,37 +13410,6 @@
               <a:buChar char="•"/>
             </a:pPr>
             <a:r>
-              <a:rPr lang="de-DE" dirty="0" err="1"/>
-              <a:t>Lasttest</a:t>
-            </a:r>
-            <a:endParaRPr lang="de-DE" dirty="0"/>
-          </a:p>
-          <a:p>
-            <a:pPr marL="810900" lvl="2" indent="-342900">
-              <a:buFont typeface="Arial" panose="020B0604020202020204" pitchFamily="34" charset="0"/>
-              <a:buChar char="•"/>
-            </a:pPr>
-            <a:r>
-              <a:rPr lang="de-DE" dirty="0"/>
-              <a:t>Durchführung</a:t>
-            </a:r>
-          </a:p>
-          <a:p>
-            <a:pPr marL="810900" lvl="2" indent="-342900">
-              <a:buFont typeface="Arial" panose="020B0604020202020204" pitchFamily="34" charset="0"/>
-              <a:buChar char="•"/>
-            </a:pPr>
-            <a:r>
-              <a:rPr lang="de-DE" dirty="0"/>
-              <a:t>Analyse / Fazit</a:t>
-            </a:r>
-          </a:p>
-          <a:p>
-            <a:pPr marL="342900" lvl="1" indent="-342900">
-              <a:buFont typeface="Arial" panose="020B0604020202020204" pitchFamily="34" charset="0"/>
-              <a:buChar char="•"/>
-            </a:pPr>
-            <a:r>
               <a:rPr lang="de-DE" dirty="0"/>
               <a:t>Optimierungspotenzial</a:t>
             </a:r>
@@ -13448,7 +13468,7 @@
           <a:p>
             <a:fld id="{BBC87CA2-7062-4E12-8384-9E01394495A9}" type="datetime1">
               <a:rPr lang="de-DE" smtClean="0"/>
-              <a:t>15.09.2021</a:t>
+              <a:t>23.09.2021</a:t>
             </a:fld>
             <a:endParaRPr lang="de-DE"/>
           </a:p>
@@ -13515,10 +13535,10 @@
       </p:grpSpPr>
       <p:pic>
         <p:nvPicPr>
-          <p:cNvPr id="8" name="Inhaltsplatzhalter 7">
+          <p:cNvPr id="12" name="Inhaltsplatzhalter 11">
             <a:extLst>
               <a:ext uri="{FF2B5EF4-FFF2-40B4-BE49-F238E27FC236}">
-                <a16:creationId xmlns:a16="http://schemas.microsoft.com/office/drawing/2014/main" id="{CD91EC3D-5F18-4785-A25E-A917FDD6C834}"/>
+                <a16:creationId xmlns:a16="http://schemas.microsoft.com/office/drawing/2014/main" id="{0435BE3E-870C-4D3E-A9C0-353373291119}"/>
               </a:ext>
             </a:extLst>
           </p:cNvPr>
@@ -13530,7 +13550,7 @@
           </p:nvPr>
         </p:nvPicPr>
         <p:blipFill>
-          <a:blip r:embed="rId3">
+          <a:blip r:embed="rId2">
             <a:extLst>
               <a:ext uri="{28A0092B-C50C-407E-A947-70E740481C1C}">
                 <a14:useLocalDpi xmlns:a14="http://schemas.microsoft.com/office/drawing/2010/main" val="0"/>
@@ -13543,8 +13563,8 @@
         </p:blipFill>
         <p:spPr>
           <a:xfrm>
-            <a:off x="4324317" y="610555"/>
-            <a:ext cx="4310208" cy="5636889"/>
+            <a:off x="2547858" y="695950"/>
+            <a:ext cx="7096284" cy="4837423"/>
           </a:xfrm>
         </p:spPr>
       </p:pic>
@@ -13553,7 +13573,7 @@
           <p:cNvPr id="4" name="Titel 3">
             <a:extLst>
               <a:ext uri="{FF2B5EF4-FFF2-40B4-BE49-F238E27FC236}">
-                <a16:creationId xmlns:a16="http://schemas.microsoft.com/office/drawing/2014/main" id="{35930345-088B-48E0-B102-9FE2C5DCAF6E}"/>
+                <a16:creationId xmlns:a16="http://schemas.microsoft.com/office/drawing/2014/main" id="{BE3FE475-2A60-4EE7-9D61-89C132803C75}"/>
               </a:ext>
             </a:extLst>
           </p:cNvPr>
@@ -13571,7 +13591,7 @@
           <a:p>
             <a:r>
               <a:rPr lang="en-US" dirty="0"/>
-              <a:t>Docker - Aufbau</a:t>
+              <a:t>Tier - Modell</a:t>
             </a:r>
             <a:endParaRPr lang="de-DE" dirty="0"/>
           </a:p>
@@ -13582,7 +13602,7 @@
           <p:cNvPr id="5" name="Datumsplatzhalter 4">
             <a:extLst>
               <a:ext uri="{FF2B5EF4-FFF2-40B4-BE49-F238E27FC236}">
-                <a16:creationId xmlns:a16="http://schemas.microsoft.com/office/drawing/2014/main" id="{51EF09BA-9F65-430C-9C78-2B488AA574E4}"/>
+                <a16:creationId xmlns:a16="http://schemas.microsoft.com/office/drawing/2014/main" id="{24C7CAF0-A121-4255-A237-DD3CC8F28423}"/>
               </a:ext>
             </a:extLst>
           </p:cNvPr>
@@ -13600,7 +13620,7 @@
           <a:p>
             <a:fld id="{BBC87CA2-7062-4E12-8384-9E01394495A9}" type="datetime1">
               <a:rPr lang="de-DE" smtClean="0"/>
-              <a:t>15.09.2021</a:t>
+              <a:t>23.09.2021</a:t>
             </a:fld>
             <a:endParaRPr lang="de-DE"/>
           </a:p>
@@ -13611,7 +13631,7 @@
           <p:cNvPr id="6" name="Foliennummernplatzhalter 5">
             <a:extLst>
               <a:ext uri="{FF2B5EF4-FFF2-40B4-BE49-F238E27FC236}">
-                <a16:creationId xmlns:a16="http://schemas.microsoft.com/office/drawing/2014/main" id="{E685E707-8A4C-4584-8357-FD12386844C5}"/>
+                <a16:creationId xmlns:a16="http://schemas.microsoft.com/office/drawing/2014/main" id="{1DAD91AF-B77D-4ADD-AB25-D35565EAAB34}"/>
               </a:ext>
             </a:extLst>
           </p:cNvPr>
@@ -13637,10 +13657,10 @@
       </p:sp>
       <p:sp>
         <p:nvSpPr>
-          <p:cNvPr id="11" name="Textfeld 10">
+          <p:cNvPr id="13" name="Textfeld 12">
             <a:extLst>
               <a:ext uri="{FF2B5EF4-FFF2-40B4-BE49-F238E27FC236}">
-                <a16:creationId xmlns:a16="http://schemas.microsoft.com/office/drawing/2014/main" id="{5045CE14-9A05-47E8-9B74-7EE25C21020E}"/>
+                <a16:creationId xmlns:a16="http://schemas.microsoft.com/office/drawing/2014/main" id="{74E15251-F8DE-4758-9CB3-DA7E9921DE78}"/>
               </a:ext>
             </a:extLst>
           </p:cNvPr>
@@ -13649,7 +13669,7 @@
         </p:nvSpPr>
         <p:spPr>
           <a:xfrm>
-            <a:off x="312158" y="6120486"/>
+            <a:off x="2764962" y="5638124"/>
             <a:ext cx="6879180" cy="253916"/>
           </a:xfrm>
           <a:prstGeom prst="rect">
@@ -13666,7 +13686,7 @@
             <a:pPr algn="r"/>
             <a:r>
               <a:rPr lang="en-US" sz="1050" dirty="0"/>
-              <a:t>Quelle: J. Turnbull – The Docker Book  (S. 72)</a:t>
+              <a:t>Quelle: https://www.oreilly.com/library/view/software-architecture-patterns/9781491971437/ch01.html</a:t>
             </a:r>
           </a:p>
         </p:txBody>
@@ -13674,7 +13694,7 @@
     </p:spTree>
     <p:extLst>
       <p:ext uri="{BB962C8B-B14F-4D97-AF65-F5344CB8AC3E}">
-        <p14:creationId xmlns:p14="http://schemas.microsoft.com/office/powerpoint/2010/main" val="2448865192"/>
+        <p14:creationId xmlns:p14="http://schemas.microsoft.com/office/powerpoint/2010/main" val="3401954207"/>
       </p:ext>
     </p:extLst>
   </p:cSld>
@@ -13703,10 +13723,10 @@
       </p:grpSpPr>
       <p:pic>
         <p:nvPicPr>
-          <p:cNvPr id="7" name="Inhaltsplatzhalter 6">
+          <p:cNvPr id="8" name="Inhaltsplatzhalter 7">
             <a:extLst>
               <a:ext uri="{FF2B5EF4-FFF2-40B4-BE49-F238E27FC236}">
-                <a16:creationId xmlns:a16="http://schemas.microsoft.com/office/drawing/2014/main" id="{A4504AF4-8BAE-4DB5-BFD7-E97301B6208B}"/>
+                <a16:creationId xmlns:a16="http://schemas.microsoft.com/office/drawing/2014/main" id="{CD91EC3D-5F18-4785-A25E-A917FDD6C834}"/>
               </a:ext>
             </a:extLst>
           </p:cNvPr>
@@ -13718,7 +13738,7 @@
           </p:nvPr>
         </p:nvPicPr>
         <p:blipFill>
-          <a:blip r:embed="rId2">
+          <a:blip r:embed="rId3">
             <a:extLst>
               <a:ext uri="{28A0092B-C50C-407E-A947-70E740481C1C}">
                 <a14:useLocalDpi xmlns:a14="http://schemas.microsoft.com/office/drawing/2010/main" val="0"/>
@@ -13731,8 +13751,8 @@
         </p:blipFill>
         <p:spPr>
           <a:xfrm>
-            <a:off x="1648793" y="1361742"/>
-            <a:ext cx="8878539" cy="4772691"/>
+            <a:off x="4324317" y="610555"/>
+            <a:ext cx="4310208" cy="5636889"/>
           </a:xfrm>
         </p:spPr>
       </p:pic>
@@ -13741,7 +13761,7 @@
           <p:cNvPr id="4" name="Titel 3">
             <a:extLst>
               <a:ext uri="{FF2B5EF4-FFF2-40B4-BE49-F238E27FC236}">
-                <a16:creationId xmlns:a16="http://schemas.microsoft.com/office/drawing/2014/main" id="{7CB2FD20-018A-4700-8FE1-5667F68E96EF}"/>
+                <a16:creationId xmlns:a16="http://schemas.microsoft.com/office/drawing/2014/main" id="{35930345-088B-48E0-B102-9FE2C5DCAF6E}"/>
               </a:ext>
             </a:extLst>
           </p:cNvPr>
@@ -13759,7 +13779,7 @@
           <a:p>
             <a:r>
               <a:rPr lang="en-US" dirty="0"/>
-              <a:t>Prometheus - Architecture</a:t>
+              <a:t>Docker - Aufbau</a:t>
             </a:r>
             <a:endParaRPr lang="de-DE" dirty="0"/>
           </a:p>
@@ -13770,7 +13790,7 @@
           <p:cNvPr id="5" name="Datumsplatzhalter 4">
             <a:extLst>
               <a:ext uri="{FF2B5EF4-FFF2-40B4-BE49-F238E27FC236}">
-                <a16:creationId xmlns:a16="http://schemas.microsoft.com/office/drawing/2014/main" id="{7DE3C301-E4BF-4054-B219-5BFBF1993562}"/>
+                <a16:creationId xmlns:a16="http://schemas.microsoft.com/office/drawing/2014/main" id="{51EF09BA-9F65-430C-9C78-2B488AA574E4}"/>
               </a:ext>
             </a:extLst>
           </p:cNvPr>
@@ -13788,7 +13808,7 @@
           <a:p>
             <a:fld id="{BBC87CA2-7062-4E12-8384-9E01394495A9}" type="datetime1">
               <a:rPr lang="de-DE" smtClean="0"/>
-              <a:t>15.09.2021</a:t>
+              <a:t>23.09.2021</a:t>
             </a:fld>
             <a:endParaRPr lang="de-DE"/>
           </a:p>
@@ -13799,7 +13819,7 @@
           <p:cNvPr id="6" name="Foliennummernplatzhalter 5">
             <a:extLst>
               <a:ext uri="{FF2B5EF4-FFF2-40B4-BE49-F238E27FC236}">
-                <a16:creationId xmlns:a16="http://schemas.microsoft.com/office/drawing/2014/main" id="{31E3F68A-1E27-41D9-ADDE-F490F3D242D1}"/>
+                <a16:creationId xmlns:a16="http://schemas.microsoft.com/office/drawing/2014/main" id="{E685E707-8A4C-4584-8357-FD12386844C5}"/>
               </a:ext>
             </a:extLst>
           </p:cNvPr>
@@ -13823,10 +13843,46 @@
           </a:p>
         </p:txBody>
       </p:sp>
+      <p:sp>
+        <p:nvSpPr>
+          <p:cNvPr id="11" name="Textfeld 10">
+            <a:extLst>
+              <a:ext uri="{FF2B5EF4-FFF2-40B4-BE49-F238E27FC236}">
+                <a16:creationId xmlns:a16="http://schemas.microsoft.com/office/drawing/2014/main" id="{5045CE14-9A05-47E8-9B74-7EE25C21020E}"/>
+              </a:ext>
+            </a:extLst>
+          </p:cNvPr>
+          <p:cNvSpPr txBox="1"/>
+          <p:nvPr/>
+        </p:nvSpPr>
+        <p:spPr>
+          <a:xfrm>
+            <a:off x="312158" y="6120486"/>
+            <a:ext cx="6879180" cy="253916"/>
+          </a:xfrm>
+          <a:prstGeom prst="rect">
+            <a:avLst/>
+          </a:prstGeom>
+          <a:noFill/>
+        </p:spPr>
+        <p:txBody>
+          <a:bodyPr wrap="square" rtlCol="0">
+            <a:spAutoFit/>
+          </a:bodyPr>
+          <a:lstStyle/>
+          <a:p>
+            <a:pPr algn="r"/>
+            <a:r>
+              <a:rPr lang="en-US" sz="1050" dirty="0"/>
+              <a:t>Quelle: J. Turnbull – The Docker Book  (S. 72)</a:t>
+            </a:r>
+          </a:p>
+        </p:txBody>
+      </p:sp>
     </p:spTree>
     <p:extLst>
       <p:ext uri="{BB962C8B-B14F-4D97-AF65-F5344CB8AC3E}">
-        <p14:creationId xmlns:p14="http://schemas.microsoft.com/office/powerpoint/2010/main" val="2886133864"/>
+        <p14:creationId xmlns:p14="http://schemas.microsoft.com/office/powerpoint/2010/main" val="2448865192"/>
       </p:ext>
     </p:extLst>
   </p:cSld>
@@ -13858,7 +13914,7 @@
           <p:cNvPr id="7" name="Inhaltsplatzhalter 6">
             <a:extLst>
               <a:ext uri="{FF2B5EF4-FFF2-40B4-BE49-F238E27FC236}">
-                <a16:creationId xmlns:a16="http://schemas.microsoft.com/office/drawing/2014/main" id="{EF2DD429-4EA8-41DF-9DF8-260D59552E6F}"/>
+                <a16:creationId xmlns:a16="http://schemas.microsoft.com/office/drawing/2014/main" id="{A4504AF4-8BAE-4DB5-BFD7-E97301B6208B}"/>
               </a:ext>
             </a:extLst>
           </p:cNvPr>
@@ -13883,8 +13939,8 @@
         </p:blipFill>
         <p:spPr>
           <a:xfrm>
-            <a:off x="2994007" y="1853286"/>
-            <a:ext cx="6203986" cy="3151427"/>
+            <a:off x="1648793" y="1361742"/>
+            <a:ext cx="8878539" cy="4772691"/>
           </a:xfrm>
         </p:spPr>
       </p:pic>
@@ -13911,7 +13967,7 @@
           <a:p>
             <a:r>
               <a:rPr lang="en-US" dirty="0"/>
-              <a:t>Docker – Types of mounts</a:t>
+              <a:t>Prometheus - Architecture</a:t>
             </a:r>
             <a:endParaRPr lang="de-DE" dirty="0"/>
           </a:p>
@@ -13940,7 +13996,7 @@
           <a:p>
             <a:fld id="{BBC87CA2-7062-4E12-8384-9E01394495A9}" type="datetime1">
               <a:rPr lang="de-DE" smtClean="0"/>
-              <a:t>15.09.2021</a:t>
+              <a:t>23.09.2021</a:t>
             </a:fld>
             <a:endParaRPr lang="de-DE"/>
           </a:p>
@@ -13975,54 +14031,10 @@
           </a:p>
         </p:txBody>
       </p:sp>
-      <p:sp>
-        <p:nvSpPr>
-          <p:cNvPr id="8" name="Textfeld 7">
-            <a:extLst>
-              <a:ext uri="{FF2B5EF4-FFF2-40B4-BE49-F238E27FC236}">
-                <a16:creationId xmlns:a16="http://schemas.microsoft.com/office/drawing/2014/main" id="{3D413D6D-294A-4C80-9C97-A302EE57ED8C}"/>
-              </a:ext>
-            </a:extLst>
-          </p:cNvPr>
-          <p:cNvSpPr txBox="1"/>
-          <p:nvPr/>
-        </p:nvSpPr>
-        <p:spPr>
-          <a:xfrm>
-            <a:off x="4861447" y="5099900"/>
-            <a:ext cx="4336546" cy="253916"/>
-          </a:xfrm>
-          <a:prstGeom prst="rect">
-            <a:avLst/>
-          </a:prstGeom>
-          <a:noFill/>
-        </p:spPr>
-        <p:txBody>
-          <a:bodyPr wrap="square" rtlCol="0">
-            <a:spAutoFit/>
-          </a:bodyPr>
-          <a:lstStyle/>
-          <a:p>
-            <a:pPr algn="r"/>
-            <a:r>
-              <a:rPr lang="en-US" sz="1050" dirty="0"/>
-              <a:t>Quelle: Docker Documentation - </a:t>
-            </a:r>
-            <a:r>
-              <a:rPr lang="en-US" sz="1050" dirty="0" err="1"/>
-              <a:t>Kapitel</a:t>
-            </a:r>
-            <a:r>
-              <a:rPr lang="en-US" sz="1050" dirty="0"/>
-              <a:t> /storage/volumes/</a:t>
-            </a:r>
-          </a:p>
-        </p:txBody>
-      </p:sp>
     </p:spTree>
     <p:extLst>
       <p:ext uri="{BB962C8B-B14F-4D97-AF65-F5344CB8AC3E}">
-        <p14:creationId xmlns:p14="http://schemas.microsoft.com/office/powerpoint/2010/main" val="2404577085"/>
+        <p14:creationId xmlns:p14="http://schemas.microsoft.com/office/powerpoint/2010/main" val="2886133864"/>
       </p:ext>
     </p:extLst>
   </p:cSld>
@@ -14054,7 +14066,7 @@
           <p:cNvPr id="7" name="Inhaltsplatzhalter 6">
             <a:extLst>
               <a:ext uri="{FF2B5EF4-FFF2-40B4-BE49-F238E27FC236}">
-                <a16:creationId xmlns:a16="http://schemas.microsoft.com/office/drawing/2014/main" id="{9EE29717-44A9-4D4A-B4A6-0427F6EB83E5}"/>
+                <a16:creationId xmlns:a16="http://schemas.microsoft.com/office/drawing/2014/main" id="{EF2DD429-4EA8-41DF-9DF8-260D59552E6F}"/>
               </a:ext>
             </a:extLst>
           </p:cNvPr>
@@ -14079,8 +14091,8 @@
         </p:blipFill>
         <p:spPr>
           <a:xfrm>
-            <a:off x="1129444" y="916347"/>
-            <a:ext cx="9933111" cy="5587375"/>
+            <a:off x="2994007" y="1853286"/>
+            <a:ext cx="6203986" cy="3151427"/>
           </a:xfrm>
         </p:spPr>
       </p:pic>
@@ -14107,7 +14119,7 @@
           <a:p>
             <a:r>
               <a:rPr lang="en-US" dirty="0"/>
-              <a:t>Spring Bean - Lifecycle</a:t>
+              <a:t>Docker – Types of mounts</a:t>
             </a:r>
             <a:endParaRPr lang="de-DE" dirty="0"/>
           </a:p>
@@ -14136,7 +14148,7 @@
           <a:p>
             <a:fld id="{BBC87CA2-7062-4E12-8384-9E01394495A9}" type="datetime1">
               <a:rPr lang="de-DE" smtClean="0"/>
-              <a:t>15.09.2021</a:t>
+              <a:t>23.09.2021</a:t>
             </a:fld>
             <a:endParaRPr lang="de-DE"/>
           </a:p>
@@ -14176,7 +14188,7 @@
           <p:cNvPr id="8" name="Textfeld 7">
             <a:extLst>
               <a:ext uri="{FF2B5EF4-FFF2-40B4-BE49-F238E27FC236}">
-                <a16:creationId xmlns:a16="http://schemas.microsoft.com/office/drawing/2014/main" id="{1B49AAEF-AC98-4F3E-B42C-5F9B0670162E}"/>
+                <a16:creationId xmlns:a16="http://schemas.microsoft.com/office/drawing/2014/main" id="{3D413D6D-294A-4C80-9C97-A302EE57ED8C}"/>
               </a:ext>
             </a:extLst>
           </p:cNvPr>
@@ -14185,8 +14197,8 @@
         </p:nvSpPr>
         <p:spPr>
           <a:xfrm>
-            <a:off x="7393195" y="5814695"/>
-            <a:ext cx="2683156" cy="253916"/>
+            <a:off x="4861447" y="5099900"/>
+            <a:ext cx="4336546" cy="253916"/>
           </a:xfrm>
           <a:prstGeom prst="rect">
             <a:avLst/>
@@ -14202,7 +14214,15 @@
             <a:pPr algn="r"/>
             <a:r>
               <a:rPr lang="en-US" sz="1050" dirty="0"/>
-              <a:t>Quelle: Hoffmann – Bsc. Thesis</a:t>
+              <a:t>Quelle: Docker Documentation - </a:t>
+            </a:r>
+            <a:r>
+              <a:rPr lang="en-US" sz="1050" dirty="0" err="1"/>
+              <a:t>Kapitel</a:t>
+            </a:r>
+            <a:r>
+              <a:rPr lang="en-US" sz="1050" dirty="0"/>
+              <a:t> /storage/volumes/</a:t>
             </a:r>
           </a:p>
         </p:txBody>
@@ -14210,7 +14230,7 @@
     </p:spTree>
     <p:extLst>
       <p:ext uri="{BB962C8B-B14F-4D97-AF65-F5344CB8AC3E}">
-        <p14:creationId xmlns:p14="http://schemas.microsoft.com/office/powerpoint/2010/main" val="553925734"/>
+        <p14:creationId xmlns:p14="http://schemas.microsoft.com/office/powerpoint/2010/main" val="2404577085"/>
       </p:ext>
     </p:extLst>
   </p:cSld>
@@ -14239,10 +14259,10 @@
       </p:grpSpPr>
       <p:pic>
         <p:nvPicPr>
-          <p:cNvPr id="7" name="Inhaltsplatzhalter 6" descr="Ein Bild, das Tisch enthält.&#10;&#10;Automatisch generierte Beschreibung">
+          <p:cNvPr id="7" name="Inhaltsplatzhalter 6">
             <a:extLst>
               <a:ext uri="{FF2B5EF4-FFF2-40B4-BE49-F238E27FC236}">
-                <a16:creationId xmlns:a16="http://schemas.microsoft.com/office/drawing/2014/main" id="{5339C2A1-297B-4DA5-84C8-DFBD77F9512B}"/>
+                <a16:creationId xmlns:a16="http://schemas.microsoft.com/office/drawing/2014/main" id="{9EE29717-44A9-4D4A-B4A6-0427F6EB83E5}"/>
               </a:ext>
             </a:extLst>
           </p:cNvPr>
@@ -14267,8 +14287,8 @@
         </p:blipFill>
         <p:spPr>
           <a:xfrm>
-            <a:off x="1562666" y="1103870"/>
-            <a:ext cx="9066667" cy="4752381"/>
+            <a:off x="1129444" y="916347"/>
+            <a:ext cx="9933111" cy="5587375"/>
           </a:xfrm>
         </p:spPr>
       </p:pic>
@@ -14295,7 +14315,7 @@
           <a:p>
             <a:r>
               <a:rPr lang="en-US" dirty="0"/>
-              <a:t>Agile Testing Quadrants</a:t>
+              <a:t>Spring Bean - Lifecycle</a:t>
             </a:r>
             <a:endParaRPr lang="de-DE" dirty="0"/>
           </a:p>
@@ -14324,7 +14344,7 @@
           <a:p>
             <a:fld id="{BBC87CA2-7062-4E12-8384-9E01394495A9}" type="datetime1">
               <a:rPr lang="de-DE" smtClean="0"/>
-              <a:t>15.09.2021</a:t>
+              <a:t>23.09.2021</a:t>
             </a:fld>
             <a:endParaRPr lang="de-DE"/>
           </a:p>
@@ -14364,7 +14384,7 @@
           <p:cNvPr id="8" name="Textfeld 7">
             <a:extLst>
               <a:ext uri="{FF2B5EF4-FFF2-40B4-BE49-F238E27FC236}">
-                <a16:creationId xmlns:a16="http://schemas.microsoft.com/office/drawing/2014/main" id="{F2745C92-AD2E-469E-9D2D-8157381593B6}"/>
+                <a16:creationId xmlns:a16="http://schemas.microsoft.com/office/drawing/2014/main" id="{1B49AAEF-AC98-4F3E-B42C-5F9B0670162E}"/>
               </a:ext>
             </a:extLst>
           </p:cNvPr>
@@ -14373,7 +14393,7 @@
         </p:nvSpPr>
         <p:spPr>
           <a:xfrm>
-            <a:off x="7666328" y="5799112"/>
+            <a:off x="7393195" y="5814695"/>
             <a:ext cx="2683156" cy="253916"/>
           </a:xfrm>
           <a:prstGeom prst="rect">
@@ -14398,7 +14418,7 @@
     </p:spTree>
     <p:extLst>
       <p:ext uri="{BB962C8B-B14F-4D97-AF65-F5344CB8AC3E}">
-        <p14:creationId xmlns:p14="http://schemas.microsoft.com/office/powerpoint/2010/main" val="3453538244"/>
+        <p14:creationId xmlns:p14="http://schemas.microsoft.com/office/powerpoint/2010/main" val="553925734"/>
       </p:ext>
     </p:extLst>
   </p:cSld>
@@ -14425,98 +14445,12 @@
           <a:chExt cx="0" cy="0"/>
         </a:xfrm>
       </p:grpSpPr>
-      <p:sp>
-        <p:nvSpPr>
-          <p:cNvPr id="4" name="Titel 3">
-            <a:extLst>
-              <a:ext uri="{FF2B5EF4-FFF2-40B4-BE49-F238E27FC236}">
-                <a16:creationId xmlns:a16="http://schemas.microsoft.com/office/drawing/2014/main" id="{CB7B63F8-A9F5-4367-AB7B-E8952562DD1E}"/>
-              </a:ext>
-            </a:extLst>
-          </p:cNvPr>
-          <p:cNvSpPr>
-            <a:spLocks noGrp="1"/>
-          </p:cNvSpPr>
-          <p:nvPr>
-            <p:ph type="title"/>
-          </p:nvPr>
-        </p:nvSpPr>
-        <p:spPr/>
-        <p:txBody>
-          <a:bodyPr/>
-          <a:lstStyle/>
-          <a:p>
-            <a:r>
-              <a:rPr lang="de-DE" noProof="0" dirty="0"/>
-              <a:t>Implementierung des Prototypen</a:t>
-            </a:r>
-          </a:p>
-        </p:txBody>
-      </p:sp>
-      <p:sp>
-        <p:nvSpPr>
-          <p:cNvPr id="5" name="Datumsplatzhalter 4">
-            <a:extLst>
-              <a:ext uri="{FF2B5EF4-FFF2-40B4-BE49-F238E27FC236}">
-                <a16:creationId xmlns:a16="http://schemas.microsoft.com/office/drawing/2014/main" id="{230D8C36-CC7A-4F37-93B1-CB8D971824D4}"/>
-              </a:ext>
-            </a:extLst>
-          </p:cNvPr>
-          <p:cNvSpPr>
-            <a:spLocks noGrp="1"/>
-          </p:cNvSpPr>
-          <p:nvPr>
-            <p:ph type="dt" sz="half" idx="2"/>
-          </p:nvPr>
-        </p:nvSpPr>
-        <p:spPr/>
-        <p:txBody>
-          <a:bodyPr/>
-          <a:lstStyle/>
-          <a:p>
-            <a:fld id="{BBC87CA2-7062-4E12-8384-9E01394495A9}" type="datetime1">
-              <a:rPr lang="de-DE" smtClean="0"/>
-              <a:t>15.09.2021</a:t>
-            </a:fld>
-            <a:endParaRPr lang="de-DE"/>
-          </a:p>
-        </p:txBody>
-      </p:sp>
-      <p:sp>
-        <p:nvSpPr>
-          <p:cNvPr id="6" name="Foliennummernplatzhalter 5">
-            <a:extLst>
-              <a:ext uri="{FF2B5EF4-FFF2-40B4-BE49-F238E27FC236}">
-                <a16:creationId xmlns:a16="http://schemas.microsoft.com/office/drawing/2014/main" id="{841436DA-FB24-4AA5-B462-BE36BF547D89}"/>
-              </a:ext>
-            </a:extLst>
-          </p:cNvPr>
-          <p:cNvSpPr>
-            <a:spLocks noGrp="1"/>
-          </p:cNvSpPr>
-          <p:nvPr>
-            <p:ph type="sldNum" sz="quarter" idx="4"/>
-          </p:nvPr>
-        </p:nvSpPr>
-        <p:spPr/>
-        <p:txBody>
-          <a:bodyPr/>
-          <a:lstStyle/>
-          <a:p>
-            <a:fld id="{948D4F86-A8FF-4343-B276-EF54A31C77D2}" type="slidenum">
-              <a:rPr lang="de-DE" smtClean="0"/>
-              <a:t>25</a:t>
-            </a:fld>
-            <a:endParaRPr lang="de-DE"/>
-          </a:p>
-        </p:txBody>
-      </p:sp>
       <p:pic>
         <p:nvPicPr>
-          <p:cNvPr id="14" name="Inhaltsplatzhalter 8">
+          <p:cNvPr id="7" name="Inhaltsplatzhalter 6" descr="Ein Bild, das Tisch enthält.&#10;&#10;Automatisch generierte Beschreibung">
             <a:extLst>
               <a:ext uri="{FF2B5EF4-FFF2-40B4-BE49-F238E27FC236}">
-                <a16:creationId xmlns:a16="http://schemas.microsoft.com/office/drawing/2014/main" id="{8CDCBA69-84D3-4EE9-A62D-90277F43E737}"/>
+                <a16:creationId xmlns:a16="http://schemas.microsoft.com/office/drawing/2014/main" id="{5339C2A1-297B-4DA5-84C8-DFBD77F9512B}"/>
               </a:ext>
             </a:extLst>
           </p:cNvPr>
@@ -14528,7 +14462,7 @@
           </p:nvPr>
         </p:nvPicPr>
         <p:blipFill>
-          <a:blip r:embed="rId3">
+          <a:blip r:embed="rId2">
             <a:extLst>
               <a:ext uri="{28A0092B-C50C-407E-A947-70E740481C1C}">
                 <a14:useLocalDpi xmlns:a14="http://schemas.microsoft.com/office/drawing/2010/main" val="0"/>
@@ -14541,17 +14475,104 @@
         </p:blipFill>
         <p:spPr>
           <a:xfrm>
-            <a:off x="2539362" y="890864"/>
-            <a:ext cx="7583918" cy="4963671"/>
+            <a:off x="1562666" y="1103870"/>
+            <a:ext cx="9066667" cy="4752381"/>
           </a:xfrm>
         </p:spPr>
       </p:pic>
       <p:sp>
         <p:nvSpPr>
+          <p:cNvPr id="4" name="Titel 3">
+            <a:extLst>
+              <a:ext uri="{FF2B5EF4-FFF2-40B4-BE49-F238E27FC236}">
+                <a16:creationId xmlns:a16="http://schemas.microsoft.com/office/drawing/2014/main" id="{7CB2FD20-018A-4700-8FE1-5667F68E96EF}"/>
+              </a:ext>
+            </a:extLst>
+          </p:cNvPr>
+          <p:cNvSpPr>
+            <a:spLocks noGrp="1"/>
+          </p:cNvSpPr>
+          <p:nvPr>
+            <p:ph type="title"/>
+          </p:nvPr>
+        </p:nvSpPr>
+        <p:spPr/>
+        <p:txBody>
+          <a:bodyPr/>
+          <a:lstStyle/>
+          <a:p>
+            <a:r>
+              <a:rPr lang="en-US" dirty="0"/>
+              <a:t>Agile Testing Quadrants</a:t>
+            </a:r>
+            <a:endParaRPr lang="de-DE" dirty="0"/>
+          </a:p>
+        </p:txBody>
+      </p:sp>
+      <p:sp>
+        <p:nvSpPr>
+          <p:cNvPr id="5" name="Datumsplatzhalter 4">
+            <a:extLst>
+              <a:ext uri="{FF2B5EF4-FFF2-40B4-BE49-F238E27FC236}">
+                <a16:creationId xmlns:a16="http://schemas.microsoft.com/office/drawing/2014/main" id="{7DE3C301-E4BF-4054-B219-5BFBF1993562}"/>
+              </a:ext>
+            </a:extLst>
+          </p:cNvPr>
+          <p:cNvSpPr>
+            <a:spLocks noGrp="1"/>
+          </p:cNvSpPr>
+          <p:nvPr>
+            <p:ph type="dt" sz="half" idx="2"/>
+          </p:nvPr>
+        </p:nvSpPr>
+        <p:spPr/>
+        <p:txBody>
+          <a:bodyPr/>
+          <a:lstStyle/>
+          <a:p>
+            <a:fld id="{BBC87CA2-7062-4E12-8384-9E01394495A9}" type="datetime1">
+              <a:rPr lang="de-DE" smtClean="0"/>
+              <a:t>23.09.2021</a:t>
+            </a:fld>
+            <a:endParaRPr lang="de-DE"/>
+          </a:p>
+        </p:txBody>
+      </p:sp>
+      <p:sp>
+        <p:nvSpPr>
+          <p:cNvPr id="6" name="Foliennummernplatzhalter 5">
+            <a:extLst>
+              <a:ext uri="{FF2B5EF4-FFF2-40B4-BE49-F238E27FC236}">
+                <a16:creationId xmlns:a16="http://schemas.microsoft.com/office/drawing/2014/main" id="{31E3F68A-1E27-41D9-ADDE-F490F3D242D1}"/>
+              </a:ext>
+            </a:extLst>
+          </p:cNvPr>
+          <p:cNvSpPr>
+            <a:spLocks noGrp="1"/>
+          </p:cNvSpPr>
+          <p:nvPr>
+            <p:ph type="sldNum" sz="quarter" idx="4"/>
+          </p:nvPr>
+        </p:nvSpPr>
+        <p:spPr/>
+        <p:txBody>
+          <a:bodyPr/>
+          <a:lstStyle/>
+          <a:p>
+            <a:fld id="{948D4F86-A8FF-4343-B276-EF54A31C77D2}" type="slidenum">
+              <a:rPr lang="de-DE" smtClean="0"/>
+              <a:t>25</a:t>
+            </a:fld>
+            <a:endParaRPr lang="de-DE"/>
+          </a:p>
+        </p:txBody>
+      </p:sp>
+      <p:sp>
+        <p:nvSpPr>
           <p:cNvPr id="8" name="Textfeld 7">
             <a:extLst>
               <a:ext uri="{FF2B5EF4-FFF2-40B4-BE49-F238E27FC236}">
-                <a16:creationId xmlns:a16="http://schemas.microsoft.com/office/drawing/2014/main" id="{C0A3B95D-88AF-4424-8AA6-C3CC1967192F}"/>
+                <a16:creationId xmlns:a16="http://schemas.microsoft.com/office/drawing/2014/main" id="{F2745C92-AD2E-469E-9D2D-8157381593B6}"/>
               </a:ext>
             </a:extLst>
           </p:cNvPr>
@@ -14560,7 +14581,7 @@
         </p:nvSpPr>
         <p:spPr>
           <a:xfrm>
-            <a:off x="7440124" y="5840178"/>
+            <a:off x="7666328" y="5799112"/>
             <a:ext cx="2683156" cy="253916"/>
           </a:xfrm>
           <a:prstGeom prst="rect">
@@ -14585,7 +14606,7 @@
     </p:spTree>
     <p:extLst>
       <p:ext uri="{BB962C8B-B14F-4D97-AF65-F5344CB8AC3E}">
-        <p14:creationId xmlns:p14="http://schemas.microsoft.com/office/powerpoint/2010/main" val="3611775343"/>
+        <p14:creationId xmlns:p14="http://schemas.microsoft.com/office/powerpoint/2010/main" val="3453538244"/>
       </p:ext>
     </p:extLst>
   </p:cSld>
@@ -14612,12 +14633,98 @@
           <a:chExt cx="0" cy="0"/>
         </a:xfrm>
       </p:grpSpPr>
+      <p:sp>
+        <p:nvSpPr>
+          <p:cNvPr id="4" name="Titel 3">
+            <a:extLst>
+              <a:ext uri="{FF2B5EF4-FFF2-40B4-BE49-F238E27FC236}">
+                <a16:creationId xmlns:a16="http://schemas.microsoft.com/office/drawing/2014/main" id="{CB7B63F8-A9F5-4367-AB7B-E8952562DD1E}"/>
+              </a:ext>
+            </a:extLst>
+          </p:cNvPr>
+          <p:cNvSpPr>
+            <a:spLocks noGrp="1"/>
+          </p:cNvSpPr>
+          <p:nvPr>
+            <p:ph type="title"/>
+          </p:nvPr>
+        </p:nvSpPr>
+        <p:spPr/>
+        <p:txBody>
+          <a:bodyPr/>
+          <a:lstStyle/>
+          <a:p>
+            <a:r>
+              <a:rPr lang="de-DE" noProof="0" dirty="0"/>
+              <a:t>Implementierung des Prototypen</a:t>
+            </a:r>
+          </a:p>
+        </p:txBody>
+      </p:sp>
+      <p:sp>
+        <p:nvSpPr>
+          <p:cNvPr id="5" name="Datumsplatzhalter 4">
+            <a:extLst>
+              <a:ext uri="{FF2B5EF4-FFF2-40B4-BE49-F238E27FC236}">
+                <a16:creationId xmlns:a16="http://schemas.microsoft.com/office/drawing/2014/main" id="{230D8C36-CC7A-4F37-93B1-CB8D971824D4}"/>
+              </a:ext>
+            </a:extLst>
+          </p:cNvPr>
+          <p:cNvSpPr>
+            <a:spLocks noGrp="1"/>
+          </p:cNvSpPr>
+          <p:nvPr>
+            <p:ph type="dt" sz="half" idx="2"/>
+          </p:nvPr>
+        </p:nvSpPr>
+        <p:spPr/>
+        <p:txBody>
+          <a:bodyPr/>
+          <a:lstStyle/>
+          <a:p>
+            <a:fld id="{BBC87CA2-7062-4E12-8384-9E01394495A9}" type="datetime1">
+              <a:rPr lang="de-DE" smtClean="0"/>
+              <a:t>23.09.2021</a:t>
+            </a:fld>
+            <a:endParaRPr lang="de-DE"/>
+          </a:p>
+        </p:txBody>
+      </p:sp>
+      <p:sp>
+        <p:nvSpPr>
+          <p:cNvPr id="6" name="Foliennummernplatzhalter 5">
+            <a:extLst>
+              <a:ext uri="{FF2B5EF4-FFF2-40B4-BE49-F238E27FC236}">
+                <a16:creationId xmlns:a16="http://schemas.microsoft.com/office/drawing/2014/main" id="{841436DA-FB24-4AA5-B462-BE36BF547D89}"/>
+              </a:ext>
+            </a:extLst>
+          </p:cNvPr>
+          <p:cNvSpPr>
+            <a:spLocks noGrp="1"/>
+          </p:cNvSpPr>
+          <p:nvPr>
+            <p:ph type="sldNum" sz="quarter" idx="4"/>
+          </p:nvPr>
+        </p:nvSpPr>
+        <p:spPr/>
+        <p:txBody>
+          <a:bodyPr/>
+          <a:lstStyle/>
+          <a:p>
+            <a:fld id="{948D4F86-A8FF-4343-B276-EF54A31C77D2}" type="slidenum">
+              <a:rPr lang="de-DE" smtClean="0"/>
+              <a:t>26</a:t>
+            </a:fld>
+            <a:endParaRPr lang="de-DE"/>
+          </a:p>
+        </p:txBody>
+      </p:sp>
       <p:pic>
         <p:nvPicPr>
-          <p:cNvPr id="8" name="Inhaltsplatzhalter 7" descr="Ein Bild, das Tisch enthält.&#10;&#10;Automatisch generierte Beschreibung">
+          <p:cNvPr id="14" name="Inhaltsplatzhalter 8">
             <a:extLst>
               <a:ext uri="{FF2B5EF4-FFF2-40B4-BE49-F238E27FC236}">
-                <a16:creationId xmlns:a16="http://schemas.microsoft.com/office/drawing/2014/main" id="{BC8C7301-CB04-40B9-B7E2-78AAFFC3C529}"/>
+                <a16:creationId xmlns:a16="http://schemas.microsoft.com/office/drawing/2014/main" id="{8CDCBA69-84D3-4EE9-A62D-90277F43E737}"/>
               </a:ext>
             </a:extLst>
           </p:cNvPr>
@@ -14642,108 +14749,17 @@
         </p:blipFill>
         <p:spPr>
           <a:xfrm>
-            <a:off x="702788" y="1155410"/>
-            <a:ext cx="11018157" cy="4526996"/>
+            <a:off x="2539362" y="890864"/>
+            <a:ext cx="7583918" cy="4963671"/>
           </a:xfrm>
         </p:spPr>
       </p:pic>
       <p:sp>
         <p:nvSpPr>
-          <p:cNvPr id="4" name="Titel 3">
+          <p:cNvPr id="8" name="Textfeld 7">
             <a:extLst>
               <a:ext uri="{FF2B5EF4-FFF2-40B4-BE49-F238E27FC236}">
-                <a16:creationId xmlns:a16="http://schemas.microsoft.com/office/drawing/2014/main" id="{FAFA3382-898E-476C-AB19-9019D7A382DE}"/>
-              </a:ext>
-            </a:extLst>
-          </p:cNvPr>
-          <p:cNvSpPr>
-            <a:spLocks noGrp="1"/>
-          </p:cNvSpPr>
-          <p:nvPr>
-            <p:ph type="title"/>
-          </p:nvPr>
-        </p:nvSpPr>
-        <p:spPr/>
-        <p:txBody>
-          <a:bodyPr/>
-          <a:lstStyle/>
-          <a:p>
-            <a:r>
-              <a:rPr lang="en-US" dirty="0" err="1"/>
-              <a:t>Activemq</a:t>
-            </a:r>
-            <a:r>
-              <a:rPr lang="en-US" dirty="0"/>
-              <a:t> - Dashboard</a:t>
-            </a:r>
-            <a:endParaRPr lang="de-DE" dirty="0"/>
-          </a:p>
-        </p:txBody>
-      </p:sp>
-      <p:sp>
-        <p:nvSpPr>
-          <p:cNvPr id="5" name="Datumsplatzhalter 4">
-            <a:extLst>
-              <a:ext uri="{FF2B5EF4-FFF2-40B4-BE49-F238E27FC236}">
-                <a16:creationId xmlns:a16="http://schemas.microsoft.com/office/drawing/2014/main" id="{C38FD8B3-A3F9-491A-A0F7-02E3BD0C8C1E}"/>
-              </a:ext>
-            </a:extLst>
-          </p:cNvPr>
-          <p:cNvSpPr>
-            <a:spLocks noGrp="1"/>
-          </p:cNvSpPr>
-          <p:nvPr>
-            <p:ph type="dt" sz="half" idx="2"/>
-          </p:nvPr>
-        </p:nvSpPr>
-        <p:spPr/>
-        <p:txBody>
-          <a:bodyPr/>
-          <a:lstStyle/>
-          <a:p>
-            <a:fld id="{BBC87CA2-7062-4E12-8384-9E01394495A9}" type="datetime1">
-              <a:rPr lang="de-DE" smtClean="0"/>
-              <a:t>15.09.2021</a:t>
-            </a:fld>
-            <a:endParaRPr lang="de-DE"/>
-          </a:p>
-        </p:txBody>
-      </p:sp>
-      <p:sp>
-        <p:nvSpPr>
-          <p:cNvPr id="6" name="Foliennummernplatzhalter 5">
-            <a:extLst>
-              <a:ext uri="{FF2B5EF4-FFF2-40B4-BE49-F238E27FC236}">
-                <a16:creationId xmlns:a16="http://schemas.microsoft.com/office/drawing/2014/main" id="{4B5AF3A7-0784-45B5-A44D-C1007FDA192C}"/>
-              </a:ext>
-            </a:extLst>
-          </p:cNvPr>
-          <p:cNvSpPr>
-            <a:spLocks noGrp="1"/>
-          </p:cNvSpPr>
-          <p:nvPr>
-            <p:ph type="sldNum" sz="quarter" idx="4"/>
-          </p:nvPr>
-        </p:nvSpPr>
-        <p:spPr/>
-        <p:txBody>
-          <a:bodyPr/>
-          <a:lstStyle/>
-          <a:p>
-            <a:fld id="{948D4F86-A8FF-4343-B276-EF54A31C77D2}" type="slidenum">
-              <a:rPr lang="de-DE" smtClean="0"/>
-              <a:t>26</a:t>
-            </a:fld>
-            <a:endParaRPr lang="de-DE"/>
-          </a:p>
-        </p:txBody>
-      </p:sp>
-      <p:sp>
-        <p:nvSpPr>
-          <p:cNvPr id="9" name="Textfeld 8">
-            <a:extLst>
-              <a:ext uri="{FF2B5EF4-FFF2-40B4-BE49-F238E27FC236}">
-                <a16:creationId xmlns:a16="http://schemas.microsoft.com/office/drawing/2014/main" id="{E6EE056C-50DC-450A-A14A-AAFE513BC8C7}"/>
+                <a16:creationId xmlns:a16="http://schemas.microsoft.com/office/drawing/2014/main" id="{C0A3B95D-88AF-4424-8AA6-C3CC1967192F}"/>
               </a:ext>
             </a:extLst>
           </p:cNvPr>
@@ -14752,7 +14768,7 @@
         </p:nvSpPr>
         <p:spPr>
           <a:xfrm>
-            <a:off x="9007906" y="5682406"/>
+            <a:off x="7440124" y="5840178"/>
             <a:ext cx="2683156" cy="253916"/>
           </a:xfrm>
           <a:prstGeom prst="rect">
@@ -14777,7 +14793,7 @@
     </p:spTree>
     <p:extLst>
       <p:ext uri="{BB962C8B-B14F-4D97-AF65-F5344CB8AC3E}">
-        <p14:creationId xmlns:p14="http://schemas.microsoft.com/office/powerpoint/2010/main" val="2522791732"/>
+        <p14:creationId xmlns:p14="http://schemas.microsoft.com/office/powerpoint/2010/main" val="3611775343"/>
       </p:ext>
     </p:extLst>
   </p:cSld>
@@ -14806,10 +14822,10 @@
       </p:grpSpPr>
       <p:pic>
         <p:nvPicPr>
-          <p:cNvPr id="7" name="Inhaltsplatzhalter 6">
+          <p:cNvPr id="8" name="Inhaltsplatzhalter 7" descr="Ein Bild, das Tisch enthält.&#10;&#10;Automatisch generierte Beschreibung">
             <a:extLst>
               <a:ext uri="{FF2B5EF4-FFF2-40B4-BE49-F238E27FC236}">
-                <a16:creationId xmlns:a16="http://schemas.microsoft.com/office/drawing/2014/main" id="{6313E612-CD37-4641-8373-9D3A0DE3057C}"/>
+                <a16:creationId xmlns:a16="http://schemas.microsoft.com/office/drawing/2014/main" id="{BC8C7301-CB04-40B9-B7E2-78AAFFC3C529}"/>
               </a:ext>
             </a:extLst>
           </p:cNvPr>
@@ -14821,7 +14837,7 @@
           </p:nvPr>
         </p:nvPicPr>
         <p:blipFill>
-          <a:blip r:embed="rId2">
+          <a:blip r:embed="rId3">
             <a:extLst>
               <a:ext uri="{28A0092B-C50C-407E-A947-70E740481C1C}">
                 <a14:useLocalDpi xmlns:a14="http://schemas.microsoft.com/office/drawing/2010/main" val="0"/>
@@ -14834,8 +14850,8 @@
         </p:blipFill>
         <p:spPr>
           <a:xfrm>
-            <a:off x="1503898" y="1113973"/>
-            <a:ext cx="9184203" cy="4630053"/>
+            <a:off x="702788" y="1155410"/>
+            <a:ext cx="11018157" cy="4526996"/>
           </a:xfrm>
         </p:spPr>
       </p:pic>
@@ -14844,7 +14860,7 @@
           <p:cNvPr id="4" name="Titel 3">
             <a:extLst>
               <a:ext uri="{FF2B5EF4-FFF2-40B4-BE49-F238E27FC236}">
-                <a16:creationId xmlns:a16="http://schemas.microsoft.com/office/drawing/2014/main" id="{7CB2FD20-018A-4700-8FE1-5667F68E96EF}"/>
+                <a16:creationId xmlns:a16="http://schemas.microsoft.com/office/drawing/2014/main" id="{FAFA3382-898E-476C-AB19-9019D7A382DE}"/>
               </a:ext>
             </a:extLst>
           </p:cNvPr>
@@ -14861,8 +14877,12 @@
           <a:lstStyle/>
           <a:p>
             <a:r>
+              <a:rPr lang="en-US" dirty="0" err="1"/>
+              <a:t>Activemq</a:t>
+            </a:r>
+            <a:r>
               <a:rPr lang="en-US" dirty="0"/>
-              <a:t>Input UI</a:t>
+              <a:t> - Dashboard</a:t>
             </a:r>
             <a:endParaRPr lang="de-DE" dirty="0"/>
           </a:p>
@@ -14873,7 +14893,7 @@
           <p:cNvPr id="5" name="Datumsplatzhalter 4">
             <a:extLst>
               <a:ext uri="{FF2B5EF4-FFF2-40B4-BE49-F238E27FC236}">
-                <a16:creationId xmlns:a16="http://schemas.microsoft.com/office/drawing/2014/main" id="{7DE3C301-E4BF-4054-B219-5BFBF1993562}"/>
+                <a16:creationId xmlns:a16="http://schemas.microsoft.com/office/drawing/2014/main" id="{C38FD8B3-A3F9-491A-A0F7-02E3BD0C8C1E}"/>
               </a:ext>
             </a:extLst>
           </p:cNvPr>
@@ -14891,7 +14911,7 @@
           <a:p>
             <a:fld id="{BBC87CA2-7062-4E12-8384-9E01394495A9}" type="datetime1">
               <a:rPr lang="de-DE" smtClean="0"/>
-              <a:t>15.09.2021</a:t>
+              <a:t>23.09.2021</a:t>
             </a:fld>
             <a:endParaRPr lang="de-DE"/>
           </a:p>
@@ -14902,7 +14922,7 @@
           <p:cNvPr id="6" name="Foliennummernplatzhalter 5">
             <a:extLst>
               <a:ext uri="{FF2B5EF4-FFF2-40B4-BE49-F238E27FC236}">
-                <a16:creationId xmlns:a16="http://schemas.microsoft.com/office/drawing/2014/main" id="{31E3F68A-1E27-41D9-ADDE-F490F3D242D1}"/>
+                <a16:creationId xmlns:a16="http://schemas.microsoft.com/office/drawing/2014/main" id="{4B5AF3A7-0784-45B5-A44D-C1007FDA192C}"/>
               </a:ext>
             </a:extLst>
           </p:cNvPr>
@@ -14928,10 +14948,10 @@
       </p:sp>
       <p:sp>
         <p:nvSpPr>
-          <p:cNvPr id="8" name="Textfeld 7">
+          <p:cNvPr id="9" name="Textfeld 8">
             <a:extLst>
               <a:ext uri="{FF2B5EF4-FFF2-40B4-BE49-F238E27FC236}">
-                <a16:creationId xmlns:a16="http://schemas.microsoft.com/office/drawing/2014/main" id="{C73B0631-53DE-48E6-985B-789D6B829337}"/>
+                <a16:creationId xmlns:a16="http://schemas.microsoft.com/office/drawing/2014/main" id="{E6EE056C-50DC-450A-A14A-AAFE513BC8C7}"/>
               </a:ext>
             </a:extLst>
           </p:cNvPr>
@@ -14940,7 +14960,7 @@
         </p:nvSpPr>
         <p:spPr>
           <a:xfrm>
-            <a:off x="7666328" y="5617068"/>
+            <a:off x="9007906" y="5682406"/>
             <a:ext cx="2683156" cy="253916"/>
           </a:xfrm>
           <a:prstGeom prst="rect">
@@ -14965,7 +14985,7 @@
     </p:spTree>
     <p:extLst>
       <p:ext uri="{BB962C8B-B14F-4D97-AF65-F5344CB8AC3E}">
-        <p14:creationId xmlns:p14="http://schemas.microsoft.com/office/powerpoint/2010/main" val="2921290835"/>
+        <p14:creationId xmlns:p14="http://schemas.microsoft.com/office/powerpoint/2010/main" val="2522791732"/>
       </p:ext>
     </p:extLst>
   </p:cSld>
@@ -14994,10 +15014,10 @@
       </p:grpSpPr>
       <p:pic>
         <p:nvPicPr>
-          <p:cNvPr id="12" name="Inhaltsplatzhalter 11">
+          <p:cNvPr id="7" name="Inhaltsplatzhalter 6">
             <a:extLst>
               <a:ext uri="{FF2B5EF4-FFF2-40B4-BE49-F238E27FC236}">
-                <a16:creationId xmlns:a16="http://schemas.microsoft.com/office/drawing/2014/main" id="{3F994B41-85FD-4305-B942-753DC51A9A5E}"/>
+                <a16:creationId xmlns:a16="http://schemas.microsoft.com/office/drawing/2014/main" id="{6313E612-CD37-4641-8373-9D3A0DE3057C}"/>
               </a:ext>
             </a:extLst>
           </p:cNvPr>
@@ -15022,8 +15042,8 @@
         </p:blipFill>
         <p:spPr>
           <a:xfrm>
-            <a:off x="610423" y="2824033"/>
-            <a:ext cx="10955279" cy="1848108"/>
+            <a:off x="1503898" y="1113973"/>
+            <a:ext cx="9184203" cy="4630053"/>
           </a:xfrm>
         </p:spPr>
       </p:pic>
@@ -15032,7 +15052,7 @@
           <p:cNvPr id="4" name="Titel 3">
             <a:extLst>
               <a:ext uri="{FF2B5EF4-FFF2-40B4-BE49-F238E27FC236}">
-                <a16:creationId xmlns:a16="http://schemas.microsoft.com/office/drawing/2014/main" id="{1EF194A5-F705-4D8F-83AD-C9FAF706A4D7}"/>
+                <a16:creationId xmlns:a16="http://schemas.microsoft.com/office/drawing/2014/main" id="{7CB2FD20-018A-4700-8FE1-5667F68E96EF}"/>
               </a:ext>
             </a:extLst>
           </p:cNvPr>
@@ -15049,16 +15069,8 @@
           <a:lstStyle/>
           <a:p>
             <a:r>
-              <a:rPr lang="en-US" dirty="0" err="1"/>
-              <a:t>Grafan</a:t>
-            </a:r>
-            <a:r>
               <a:rPr lang="en-US" dirty="0"/>
-              <a:t> - </a:t>
-            </a:r>
-            <a:r>
-              <a:rPr lang="en-US" dirty="0" err="1"/>
-              <a:t>PromQL</a:t>
+              <a:t>Input UI</a:t>
             </a:r>
             <a:endParaRPr lang="de-DE" dirty="0"/>
           </a:p>
@@ -15069,7 +15081,7 @@
           <p:cNvPr id="5" name="Datumsplatzhalter 4">
             <a:extLst>
               <a:ext uri="{FF2B5EF4-FFF2-40B4-BE49-F238E27FC236}">
-                <a16:creationId xmlns:a16="http://schemas.microsoft.com/office/drawing/2014/main" id="{1466DC92-1633-4FAB-A6BF-813A0D7A665E}"/>
+                <a16:creationId xmlns:a16="http://schemas.microsoft.com/office/drawing/2014/main" id="{7DE3C301-E4BF-4054-B219-5BFBF1993562}"/>
               </a:ext>
             </a:extLst>
           </p:cNvPr>
@@ -15087,7 +15099,7 @@
           <a:p>
             <a:fld id="{BBC87CA2-7062-4E12-8384-9E01394495A9}" type="datetime1">
               <a:rPr lang="de-DE" smtClean="0"/>
-              <a:t>15.09.2021</a:t>
+              <a:t>23.09.2021</a:t>
             </a:fld>
             <a:endParaRPr lang="de-DE"/>
           </a:p>
@@ -15098,7 +15110,7 @@
           <p:cNvPr id="6" name="Foliennummernplatzhalter 5">
             <a:extLst>
               <a:ext uri="{FF2B5EF4-FFF2-40B4-BE49-F238E27FC236}">
-                <a16:creationId xmlns:a16="http://schemas.microsoft.com/office/drawing/2014/main" id="{377E1798-E090-43EA-98AA-01197E372F13}"/>
+                <a16:creationId xmlns:a16="http://schemas.microsoft.com/office/drawing/2014/main" id="{31E3F68A-1E27-41D9-ADDE-F490F3D242D1}"/>
               </a:ext>
             </a:extLst>
           </p:cNvPr>
@@ -15124,10 +15136,10 @@
       </p:sp>
       <p:sp>
         <p:nvSpPr>
-          <p:cNvPr id="13" name="Textfeld 12">
+          <p:cNvPr id="8" name="Textfeld 7">
             <a:extLst>
               <a:ext uri="{FF2B5EF4-FFF2-40B4-BE49-F238E27FC236}">
-                <a16:creationId xmlns:a16="http://schemas.microsoft.com/office/drawing/2014/main" id="{9B666513-F6D2-4E0A-9BB3-60E9877B9AD0}"/>
+                <a16:creationId xmlns:a16="http://schemas.microsoft.com/office/drawing/2014/main" id="{C73B0631-53DE-48E6-985B-789D6B829337}"/>
               </a:ext>
             </a:extLst>
           </p:cNvPr>
@@ -15136,7 +15148,7 @@
         </p:nvSpPr>
         <p:spPr>
           <a:xfrm>
-            <a:off x="8731084" y="4909896"/>
+            <a:off x="7666328" y="5617068"/>
             <a:ext cx="2683156" cy="253916"/>
           </a:xfrm>
           <a:prstGeom prst="rect">
@@ -15161,7 +15173,7 @@
     </p:spTree>
     <p:extLst>
       <p:ext uri="{BB962C8B-B14F-4D97-AF65-F5344CB8AC3E}">
-        <p14:creationId xmlns:p14="http://schemas.microsoft.com/office/powerpoint/2010/main" val="1245817220"/>
+        <p14:creationId xmlns:p14="http://schemas.microsoft.com/office/powerpoint/2010/main" val="2921290835"/>
       </p:ext>
     </p:extLst>
   </p:cSld>
@@ -15190,10 +15202,10 @@
       </p:grpSpPr>
       <p:pic>
         <p:nvPicPr>
-          <p:cNvPr id="7" name="Inhaltsplatzhalter 6" descr="Ein Bild, das Text enthält.&#10;&#10;Automatisch generierte Beschreibung">
+          <p:cNvPr id="12" name="Inhaltsplatzhalter 11">
             <a:extLst>
               <a:ext uri="{FF2B5EF4-FFF2-40B4-BE49-F238E27FC236}">
-                <a16:creationId xmlns:a16="http://schemas.microsoft.com/office/drawing/2014/main" id="{C5700D35-A43E-440C-8FA1-EA33D80C3097}"/>
+                <a16:creationId xmlns:a16="http://schemas.microsoft.com/office/drawing/2014/main" id="{3F994B41-85FD-4305-B942-753DC51A9A5E}"/>
               </a:ext>
             </a:extLst>
           </p:cNvPr>
@@ -15218,8 +15230,8 @@
         </p:blipFill>
         <p:spPr>
           <a:xfrm>
-            <a:off x="1803975" y="1538992"/>
-            <a:ext cx="8584049" cy="3780016"/>
+            <a:off x="610423" y="2824033"/>
+            <a:ext cx="10955279" cy="1848108"/>
           </a:xfrm>
         </p:spPr>
       </p:pic>
@@ -15228,7 +15240,7 @@
           <p:cNvPr id="4" name="Titel 3">
             <a:extLst>
               <a:ext uri="{FF2B5EF4-FFF2-40B4-BE49-F238E27FC236}">
-                <a16:creationId xmlns:a16="http://schemas.microsoft.com/office/drawing/2014/main" id="{7CB2FD20-018A-4700-8FE1-5667F68E96EF}"/>
+                <a16:creationId xmlns:a16="http://schemas.microsoft.com/office/drawing/2014/main" id="{1EF194A5-F705-4D8F-83AD-C9FAF706A4D7}"/>
               </a:ext>
             </a:extLst>
           </p:cNvPr>
@@ -15245,12 +15257,16 @@
           <a:lstStyle/>
           <a:p>
             <a:r>
+              <a:rPr lang="en-US" dirty="0" err="1"/>
+              <a:t>Grafan</a:t>
+            </a:r>
+            <a:r>
               <a:rPr lang="en-US" dirty="0"/>
-              <a:t>Prometheus - </a:t>
+              <a:t> - </a:t>
             </a:r>
             <a:r>
               <a:rPr lang="en-US" dirty="0" err="1"/>
-              <a:t>Datasource</a:t>
+              <a:t>PromQL</a:t>
             </a:r>
             <a:endParaRPr lang="de-DE" dirty="0"/>
           </a:p>
@@ -15261,7 +15277,7 @@
           <p:cNvPr id="5" name="Datumsplatzhalter 4">
             <a:extLst>
               <a:ext uri="{FF2B5EF4-FFF2-40B4-BE49-F238E27FC236}">
-                <a16:creationId xmlns:a16="http://schemas.microsoft.com/office/drawing/2014/main" id="{7DE3C301-E4BF-4054-B219-5BFBF1993562}"/>
+                <a16:creationId xmlns:a16="http://schemas.microsoft.com/office/drawing/2014/main" id="{1466DC92-1633-4FAB-A6BF-813A0D7A665E}"/>
               </a:ext>
             </a:extLst>
           </p:cNvPr>
@@ -15279,7 +15295,7 @@
           <a:p>
             <a:fld id="{BBC87CA2-7062-4E12-8384-9E01394495A9}" type="datetime1">
               <a:rPr lang="de-DE" smtClean="0"/>
-              <a:t>15.09.2021</a:t>
+              <a:t>23.09.2021</a:t>
             </a:fld>
             <a:endParaRPr lang="de-DE"/>
           </a:p>
@@ -15290,7 +15306,7 @@
           <p:cNvPr id="6" name="Foliennummernplatzhalter 5">
             <a:extLst>
               <a:ext uri="{FF2B5EF4-FFF2-40B4-BE49-F238E27FC236}">
-                <a16:creationId xmlns:a16="http://schemas.microsoft.com/office/drawing/2014/main" id="{31E3F68A-1E27-41D9-ADDE-F490F3D242D1}"/>
+                <a16:creationId xmlns:a16="http://schemas.microsoft.com/office/drawing/2014/main" id="{377E1798-E090-43EA-98AA-01197E372F13}"/>
               </a:ext>
             </a:extLst>
           </p:cNvPr>
@@ -15316,10 +15332,10 @@
       </p:sp>
       <p:sp>
         <p:nvSpPr>
-          <p:cNvPr id="8" name="Textfeld 7">
+          <p:cNvPr id="13" name="Textfeld 12">
             <a:extLst>
               <a:ext uri="{FF2B5EF4-FFF2-40B4-BE49-F238E27FC236}">
-                <a16:creationId xmlns:a16="http://schemas.microsoft.com/office/drawing/2014/main" id="{41F7ABB9-3F90-4D4A-9DB1-B07E85A0316D}"/>
+                <a16:creationId xmlns:a16="http://schemas.microsoft.com/office/drawing/2014/main" id="{9B666513-F6D2-4E0A-9BB3-60E9877B9AD0}"/>
               </a:ext>
             </a:extLst>
           </p:cNvPr>
@@ -15328,7 +15344,7 @@
         </p:nvSpPr>
         <p:spPr>
           <a:xfrm>
-            <a:off x="7767114" y="5319008"/>
+            <a:off x="8731084" y="4909896"/>
             <a:ext cx="2683156" cy="253916"/>
           </a:xfrm>
           <a:prstGeom prst="rect">
@@ -15353,7 +15369,7 @@
     </p:spTree>
     <p:extLst>
       <p:ext uri="{BB962C8B-B14F-4D97-AF65-F5344CB8AC3E}">
-        <p14:creationId xmlns:p14="http://schemas.microsoft.com/office/powerpoint/2010/main" val="2526206791"/>
+        <p14:creationId xmlns:p14="http://schemas.microsoft.com/office/powerpoint/2010/main" val="1245817220"/>
       </p:ext>
     </p:extLst>
   </p:cSld>
@@ -15431,7 +15447,7 @@
           <a:p>
             <a:fld id="{BBC87CA2-7062-4E12-8384-9E01394495A9}" type="datetime1">
               <a:rPr lang="de-DE" smtClean="0"/>
-              <a:t>15.09.2021</a:t>
+              <a:t>23.09.2021</a:t>
             </a:fld>
             <a:endParaRPr lang="de-DE"/>
           </a:p>
@@ -15701,10 +15717,10 @@
       </p:grpSpPr>
       <p:pic>
         <p:nvPicPr>
-          <p:cNvPr id="8" name="Inhaltsplatzhalter 7">
+          <p:cNvPr id="7" name="Inhaltsplatzhalter 6" descr="Ein Bild, das Text enthält.&#10;&#10;Automatisch generierte Beschreibung">
             <a:extLst>
               <a:ext uri="{FF2B5EF4-FFF2-40B4-BE49-F238E27FC236}">
-                <a16:creationId xmlns:a16="http://schemas.microsoft.com/office/drawing/2014/main" id="{307EF16A-453A-4185-8087-5B94BD584DE0}"/>
+                <a16:creationId xmlns:a16="http://schemas.microsoft.com/office/drawing/2014/main" id="{C5700D35-A43E-440C-8FA1-EA33D80C3097}"/>
               </a:ext>
             </a:extLst>
           </p:cNvPr>
@@ -15716,7 +15732,7 @@
           </p:nvPr>
         </p:nvPicPr>
         <p:blipFill>
-          <a:blip r:embed="rId2" cstate="print">
+          <a:blip r:embed="rId2">
             <a:extLst>
               <a:ext uri="{28A0092B-C50C-407E-A947-70E740481C1C}">
                 <a14:useLocalDpi xmlns:a14="http://schemas.microsoft.com/office/drawing/2010/main" val="0"/>
@@ -15729,8 +15745,8 @@
         </p:blipFill>
         <p:spPr>
           <a:xfrm>
-            <a:off x="939667" y="1629202"/>
-            <a:ext cx="10312665" cy="3599595"/>
+            <a:off x="1803975" y="1538992"/>
+            <a:ext cx="8584049" cy="3780016"/>
           </a:xfrm>
         </p:spPr>
       </p:pic>
@@ -15757,7 +15773,11 @@
           <a:p>
             <a:r>
               <a:rPr lang="en-US" dirty="0"/>
-              <a:t>Input - UML</a:t>
+              <a:t>Prometheus - </a:t>
+            </a:r>
+            <a:r>
+              <a:rPr lang="en-US" dirty="0" err="1"/>
+              <a:t>Datasource</a:t>
             </a:r>
             <a:endParaRPr lang="de-DE" dirty="0"/>
           </a:p>
@@ -15786,7 +15806,7 @@
           <a:p>
             <a:fld id="{BBC87CA2-7062-4E12-8384-9E01394495A9}" type="datetime1">
               <a:rPr lang="de-DE" smtClean="0"/>
-              <a:t>15.09.2021</a:t>
+              <a:t>23.09.2021</a:t>
             </a:fld>
             <a:endParaRPr lang="de-DE"/>
           </a:p>
@@ -15823,10 +15843,10 @@
       </p:sp>
       <p:sp>
         <p:nvSpPr>
-          <p:cNvPr id="9" name="Textfeld 8">
+          <p:cNvPr id="8" name="Textfeld 7">
             <a:extLst>
               <a:ext uri="{FF2B5EF4-FFF2-40B4-BE49-F238E27FC236}">
-                <a16:creationId xmlns:a16="http://schemas.microsoft.com/office/drawing/2014/main" id="{1DFF38CF-9081-479E-8503-89DB6F840B58}"/>
+                <a16:creationId xmlns:a16="http://schemas.microsoft.com/office/drawing/2014/main" id="{41F7ABB9-3F90-4D4A-9DB1-B07E85A0316D}"/>
               </a:ext>
             </a:extLst>
           </p:cNvPr>
@@ -15835,7 +15855,7 @@
         </p:nvSpPr>
         <p:spPr>
           <a:xfrm>
-            <a:off x="8564829" y="5218654"/>
+            <a:off x="7767114" y="5319008"/>
             <a:ext cx="2683156" cy="253916"/>
           </a:xfrm>
           <a:prstGeom prst="rect">
@@ -15860,7 +15880,7 @@
     </p:spTree>
     <p:extLst>
       <p:ext uri="{BB962C8B-B14F-4D97-AF65-F5344CB8AC3E}">
-        <p14:creationId xmlns:p14="http://schemas.microsoft.com/office/powerpoint/2010/main" val="1544693252"/>
+        <p14:creationId xmlns:p14="http://schemas.microsoft.com/office/powerpoint/2010/main" val="2526206791"/>
       </p:ext>
     </p:extLst>
   </p:cSld>
@@ -15889,10 +15909,10 @@
       </p:grpSpPr>
       <p:pic>
         <p:nvPicPr>
-          <p:cNvPr id="7" name="Inhaltsplatzhalter 6">
+          <p:cNvPr id="8" name="Inhaltsplatzhalter 7">
             <a:extLst>
               <a:ext uri="{FF2B5EF4-FFF2-40B4-BE49-F238E27FC236}">
-                <a16:creationId xmlns:a16="http://schemas.microsoft.com/office/drawing/2014/main" id="{23DD70DE-8C46-44B2-88B6-26AD1727522F}"/>
+                <a16:creationId xmlns:a16="http://schemas.microsoft.com/office/drawing/2014/main" id="{307EF16A-453A-4185-8087-5B94BD584DE0}"/>
               </a:ext>
             </a:extLst>
           </p:cNvPr>
@@ -15917,8 +15937,8 @@
         </p:blipFill>
         <p:spPr>
           <a:xfrm>
-            <a:off x="3142716" y="897377"/>
-            <a:ext cx="6080818" cy="5063246"/>
+            <a:off x="939667" y="1629202"/>
+            <a:ext cx="10312665" cy="3599595"/>
           </a:xfrm>
         </p:spPr>
       </p:pic>
@@ -15945,7 +15965,7 @@
           <a:p>
             <a:r>
               <a:rPr lang="en-US" dirty="0"/>
-              <a:t>Supplier - UML</a:t>
+              <a:t>Input - UML</a:t>
             </a:r>
             <a:endParaRPr lang="de-DE" dirty="0"/>
           </a:p>
@@ -15974,7 +15994,7 @@
           <a:p>
             <a:fld id="{BBC87CA2-7062-4E12-8384-9E01394495A9}" type="datetime1">
               <a:rPr lang="de-DE" smtClean="0"/>
-              <a:t>15.09.2021</a:t>
+              <a:t>23.09.2021</a:t>
             </a:fld>
             <a:endParaRPr lang="de-DE"/>
           </a:p>
@@ -16011,10 +16031,10 @@
       </p:sp>
       <p:sp>
         <p:nvSpPr>
-          <p:cNvPr id="8" name="Textfeld 7">
+          <p:cNvPr id="9" name="Textfeld 8">
             <a:extLst>
               <a:ext uri="{FF2B5EF4-FFF2-40B4-BE49-F238E27FC236}">
-                <a16:creationId xmlns:a16="http://schemas.microsoft.com/office/drawing/2014/main" id="{AB3DB852-DD7E-416A-890A-F4C2C6000446}"/>
+                <a16:creationId xmlns:a16="http://schemas.microsoft.com/office/drawing/2014/main" id="{1DFF38CF-9081-479E-8503-89DB6F840B58}"/>
               </a:ext>
             </a:extLst>
           </p:cNvPr>
@@ -16023,7 +16043,7 @@
         </p:nvSpPr>
         <p:spPr>
           <a:xfrm>
-            <a:off x="6625795" y="6016044"/>
+            <a:off x="8564829" y="5218654"/>
             <a:ext cx="2683156" cy="253916"/>
           </a:xfrm>
           <a:prstGeom prst="rect">
@@ -16048,7 +16068,7 @@
     </p:spTree>
     <p:extLst>
       <p:ext uri="{BB962C8B-B14F-4D97-AF65-F5344CB8AC3E}">
-        <p14:creationId xmlns:p14="http://schemas.microsoft.com/office/powerpoint/2010/main" val="1241428903"/>
+        <p14:creationId xmlns:p14="http://schemas.microsoft.com/office/powerpoint/2010/main" val="1544693252"/>
       </p:ext>
     </p:extLst>
   </p:cSld>
@@ -16077,10 +16097,10 @@
       </p:grpSpPr>
       <p:pic>
         <p:nvPicPr>
-          <p:cNvPr id="16" name="Inhaltsplatzhalter 15">
+          <p:cNvPr id="7" name="Inhaltsplatzhalter 6">
             <a:extLst>
               <a:ext uri="{FF2B5EF4-FFF2-40B4-BE49-F238E27FC236}">
-                <a16:creationId xmlns:a16="http://schemas.microsoft.com/office/drawing/2014/main" id="{B6094025-5681-48F2-AA9A-999245B725CC}"/>
+                <a16:creationId xmlns:a16="http://schemas.microsoft.com/office/drawing/2014/main" id="{23DD70DE-8C46-44B2-88B6-26AD1727522F}"/>
               </a:ext>
             </a:extLst>
           </p:cNvPr>
@@ -16105,8 +16125,8 @@
         </p:blipFill>
         <p:spPr>
           <a:xfrm>
-            <a:off x="1206717" y="1826152"/>
-            <a:ext cx="9778566" cy="3718197"/>
+            <a:off x="3142716" y="897377"/>
+            <a:ext cx="6080818" cy="5063246"/>
           </a:xfrm>
         </p:spPr>
       </p:pic>
@@ -16115,7 +16135,7 @@
           <p:cNvPr id="4" name="Titel 3">
             <a:extLst>
               <a:ext uri="{FF2B5EF4-FFF2-40B4-BE49-F238E27FC236}">
-                <a16:creationId xmlns:a16="http://schemas.microsoft.com/office/drawing/2014/main" id="{CB118136-F4EB-4B58-8CB3-4E84E28560A8}"/>
+                <a16:creationId xmlns:a16="http://schemas.microsoft.com/office/drawing/2014/main" id="{7CB2FD20-018A-4700-8FE1-5667F68E96EF}"/>
               </a:ext>
             </a:extLst>
           </p:cNvPr>
@@ -16133,7 +16153,7 @@
           <a:p>
             <a:r>
               <a:rPr lang="en-US" dirty="0"/>
-              <a:t>Consumer - UML</a:t>
+              <a:t>Supplier - UML</a:t>
             </a:r>
             <a:endParaRPr lang="de-DE" dirty="0"/>
           </a:p>
@@ -16144,7 +16164,7 @@
           <p:cNvPr id="5" name="Datumsplatzhalter 4">
             <a:extLst>
               <a:ext uri="{FF2B5EF4-FFF2-40B4-BE49-F238E27FC236}">
-                <a16:creationId xmlns:a16="http://schemas.microsoft.com/office/drawing/2014/main" id="{3F232DC3-E273-421F-ABFF-82E4D791ACAC}"/>
+                <a16:creationId xmlns:a16="http://schemas.microsoft.com/office/drawing/2014/main" id="{7DE3C301-E4BF-4054-B219-5BFBF1993562}"/>
               </a:ext>
             </a:extLst>
           </p:cNvPr>
@@ -16162,7 +16182,7 @@
           <a:p>
             <a:fld id="{BBC87CA2-7062-4E12-8384-9E01394495A9}" type="datetime1">
               <a:rPr lang="de-DE" smtClean="0"/>
-              <a:t>15.09.2021</a:t>
+              <a:t>23.09.2021</a:t>
             </a:fld>
             <a:endParaRPr lang="de-DE"/>
           </a:p>
@@ -16173,7 +16193,7 @@
           <p:cNvPr id="6" name="Foliennummernplatzhalter 5">
             <a:extLst>
               <a:ext uri="{FF2B5EF4-FFF2-40B4-BE49-F238E27FC236}">
-                <a16:creationId xmlns:a16="http://schemas.microsoft.com/office/drawing/2014/main" id="{FB74971A-05FD-451B-9FB1-E6C9E3610FA0}"/>
+                <a16:creationId xmlns:a16="http://schemas.microsoft.com/office/drawing/2014/main" id="{31E3F68A-1E27-41D9-ADDE-F490F3D242D1}"/>
               </a:ext>
             </a:extLst>
           </p:cNvPr>
@@ -16199,10 +16219,10 @@
       </p:sp>
       <p:sp>
         <p:nvSpPr>
-          <p:cNvPr id="17" name="Textfeld 16">
+          <p:cNvPr id="8" name="Textfeld 7">
             <a:extLst>
               <a:ext uri="{FF2B5EF4-FFF2-40B4-BE49-F238E27FC236}">
-                <a16:creationId xmlns:a16="http://schemas.microsoft.com/office/drawing/2014/main" id="{1C847A34-971F-471B-839A-DA7AD49D6B79}"/>
+                <a16:creationId xmlns:a16="http://schemas.microsoft.com/office/drawing/2014/main" id="{AB3DB852-DD7E-416A-890A-F4C2C6000446}"/>
               </a:ext>
             </a:extLst>
           </p:cNvPr>
@@ -16211,7 +16231,7 @@
         </p:nvSpPr>
         <p:spPr>
           <a:xfrm>
-            <a:off x="8432461" y="5417391"/>
+            <a:off x="6625795" y="6016044"/>
             <a:ext cx="2683156" cy="253916"/>
           </a:xfrm>
           <a:prstGeom prst="rect">
@@ -16236,7 +16256,7 @@
     </p:spTree>
     <p:extLst>
       <p:ext uri="{BB962C8B-B14F-4D97-AF65-F5344CB8AC3E}">
-        <p14:creationId xmlns:p14="http://schemas.microsoft.com/office/powerpoint/2010/main" val="4185639077"/>
+        <p14:creationId xmlns:p14="http://schemas.microsoft.com/office/powerpoint/2010/main" val="1241428903"/>
       </p:ext>
     </p:extLst>
   </p:cSld>
@@ -16265,6 +16285,194 @@
       </p:grpSpPr>
       <p:pic>
         <p:nvPicPr>
+          <p:cNvPr id="16" name="Inhaltsplatzhalter 15">
+            <a:extLst>
+              <a:ext uri="{FF2B5EF4-FFF2-40B4-BE49-F238E27FC236}">
+                <a16:creationId xmlns:a16="http://schemas.microsoft.com/office/drawing/2014/main" id="{B6094025-5681-48F2-AA9A-999245B725CC}"/>
+              </a:ext>
+            </a:extLst>
+          </p:cNvPr>
+          <p:cNvPicPr>
+            <a:picLocks noGrp="1" noChangeAspect="1"/>
+          </p:cNvPicPr>
+          <p:nvPr>
+            <p:ph sz="half" idx="1"/>
+          </p:nvPr>
+        </p:nvPicPr>
+        <p:blipFill>
+          <a:blip r:embed="rId2" cstate="print">
+            <a:extLst>
+              <a:ext uri="{28A0092B-C50C-407E-A947-70E740481C1C}">
+                <a14:useLocalDpi xmlns:a14="http://schemas.microsoft.com/office/drawing/2010/main" val="0"/>
+              </a:ext>
+            </a:extLst>
+          </a:blip>
+          <a:stretch>
+            <a:fillRect/>
+          </a:stretch>
+        </p:blipFill>
+        <p:spPr>
+          <a:xfrm>
+            <a:off x="1206717" y="1826152"/>
+            <a:ext cx="9778566" cy="3718197"/>
+          </a:xfrm>
+        </p:spPr>
+      </p:pic>
+      <p:sp>
+        <p:nvSpPr>
+          <p:cNvPr id="4" name="Titel 3">
+            <a:extLst>
+              <a:ext uri="{FF2B5EF4-FFF2-40B4-BE49-F238E27FC236}">
+                <a16:creationId xmlns:a16="http://schemas.microsoft.com/office/drawing/2014/main" id="{CB118136-F4EB-4B58-8CB3-4E84E28560A8}"/>
+              </a:ext>
+            </a:extLst>
+          </p:cNvPr>
+          <p:cNvSpPr>
+            <a:spLocks noGrp="1"/>
+          </p:cNvSpPr>
+          <p:nvPr>
+            <p:ph type="title"/>
+          </p:nvPr>
+        </p:nvSpPr>
+        <p:spPr/>
+        <p:txBody>
+          <a:bodyPr/>
+          <a:lstStyle/>
+          <a:p>
+            <a:r>
+              <a:rPr lang="en-US" dirty="0"/>
+              <a:t>Consumer - UML</a:t>
+            </a:r>
+            <a:endParaRPr lang="de-DE" dirty="0"/>
+          </a:p>
+        </p:txBody>
+      </p:sp>
+      <p:sp>
+        <p:nvSpPr>
+          <p:cNvPr id="5" name="Datumsplatzhalter 4">
+            <a:extLst>
+              <a:ext uri="{FF2B5EF4-FFF2-40B4-BE49-F238E27FC236}">
+                <a16:creationId xmlns:a16="http://schemas.microsoft.com/office/drawing/2014/main" id="{3F232DC3-E273-421F-ABFF-82E4D791ACAC}"/>
+              </a:ext>
+            </a:extLst>
+          </p:cNvPr>
+          <p:cNvSpPr>
+            <a:spLocks noGrp="1"/>
+          </p:cNvSpPr>
+          <p:nvPr>
+            <p:ph type="dt" sz="half" idx="2"/>
+          </p:nvPr>
+        </p:nvSpPr>
+        <p:spPr/>
+        <p:txBody>
+          <a:bodyPr/>
+          <a:lstStyle/>
+          <a:p>
+            <a:fld id="{BBC87CA2-7062-4E12-8384-9E01394495A9}" type="datetime1">
+              <a:rPr lang="de-DE" smtClean="0"/>
+              <a:t>23.09.2021</a:t>
+            </a:fld>
+            <a:endParaRPr lang="de-DE"/>
+          </a:p>
+        </p:txBody>
+      </p:sp>
+      <p:sp>
+        <p:nvSpPr>
+          <p:cNvPr id="6" name="Foliennummernplatzhalter 5">
+            <a:extLst>
+              <a:ext uri="{FF2B5EF4-FFF2-40B4-BE49-F238E27FC236}">
+                <a16:creationId xmlns:a16="http://schemas.microsoft.com/office/drawing/2014/main" id="{FB74971A-05FD-451B-9FB1-E6C9E3610FA0}"/>
+              </a:ext>
+            </a:extLst>
+          </p:cNvPr>
+          <p:cNvSpPr>
+            <a:spLocks noGrp="1"/>
+          </p:cNvSpPr>
+          <p:nvPr>
+            <p:ph type="sldNum" sz="quarter" idx="4"/>
+          </p:nvPr>
+        </p:nvSpPr>
+        <p:spPr/>
+        <p:txBody>
+          <a:bodyPr/>
+          <a:lstStyle/>
+          <a:p>
+            <a:fld id="{948D4F86-A8FF-4343-B276-EF54A31C77D2}" type="slidenum">
+              <a:rPr lang="de-DE" smtClean="0"/>
+              <a:t>33</a:t>
+            </a:fld>
+            <a:endParaRPr lang="de-DE"/>
+          </a:p>
+        </p:txBody>
+      </p:sp>
+      <p:sp>
+        <p:nvSpPr>
+          <p:cNvPr id="17" name="Textfeld 16">
+            <a:extLst>
+              <a:ext uri="{FF2B5EF4-FFF2-40B4-BE49-F238E27FC236}">
+                <a16:creationId xmlns:a16="http://schemas.microsoft.com/office/drawing/2014/main" id="{1C847A34-971F-471B-839A-DA7AD49D6B79}"/>
+              </a:ext>
+            </a:extLst>
+          </p:cNvPr>
+          <p:cNvSpPr txBox="1"/>
+          <p:nvPr/>
+        </p:nvSpPr>
+        <p:spPr>
+          <a:xfrm>
+            <a:off x="8432461" y="5417391"/>
+            <a:ext cx="2683156" cy="253916"/>
+          </a:xfrm>
+          <a:prstGeom prst="rect">
+            <a:avLst/>
+          </a:prstGeom>
+          <a:noFill/>
+        </p:spPr>
+        <p:txBody>
+          <a:bodyPr wrap="square" rtlCol="0">
+            <a:spAutoFit/>
+          </a:bodyPr>
+          <a:lstStyle/>
+          <a:p>
+            <a:pPr algn="r"/>
+            <a:r>
+              <a:rPr lang="en-US" sz="1050" dirty="0"/>
+              <a:t>Quelle: Hoffmann – Bsc. Thesis</a:t>
+            </a:r>
+          </a:p>
+        </p:txBody>
+      </p:sp>
+    </p:spTree>
+    <p:extLst>
+      <p:ext uri="{BB962C8B-B14F-4D97-AF65-F5344CB8AC3E}">
+        <p14:creationId xmlns:p14="http://schemas.microsoft.com/office/powerpoint/2010/main" val="4185639077"/>
+      </p:ext>
+    </p:extLst>
+  </p:cSld>
+  <p:clrMapOvr>
+    <a:masterClrMapping/>
+  </p:clrMapOvr>
+</p:sld>
+</file>
+
+<file path=ppt/slides/slide34.xml><?xml version="1.0" encoding="utf-8"?>
+<p:sld xmlns:a="http://schemas.openxmlformats.org/drawingml/2006/main" xmlns:r="http://schemas.openxmlformats.org/officeDocument/2006/relationships" xmlns:p="http://schemas.openxmlformats.org/presentationml/2006/main">
+  <p:cSld>
+    <p:spTree>
+      <p:nvGrpSpPr>
+        <p:cNvPr id="1" name=""/>
+        <p:cNvGrpSpPr/>
+        <p:nvPr/>
+      </p:nvGrpSpPr>
+      <p:grpSpPr>
+        <a:xfrm>
+          <a:off x="0" y="0"/>
+          <a:ext cx="0" cy="0"/>
+          <a:chOff x="0" y="0"/>
+          <a:chExt cx="0" cy="0"/>
+        </a:xfrm>
+      </p:grpSpPr>
+      <p:pic>
+        <p:nvPicPr>
           <p:cNvPr id="7" name="Inhaltsplatzhalter 6">
             <a:extLst>
               <a:ext uri="{FF2B5EF4-FFF2-40B4-BE49-F238E27FC236}">
@@ -16350,7 +16558,7 @@
           <a:p>
             <a:fld id="{BBC87CA2-7062-4E12-8384-9E01394495A9}" type="datetime1">
               <a:rPr lang="de-DE" smtClean="0"/>
-              <a:t>15.09.2021</a:t>
+              <a:t>23.09.2021</a:t>
             </a:fld>
             <a:endParaRPr lang="de-DE"/>
           </a:p>
@@ -16379,7 +16587,7 @@
           <a:p>
             <a:fld id="{948D4F86-A8FF-4343-B276-EF54A31C77D2}" type="slidenum">
               <a:rPr lang="de-DE" smtClean="0"/>
-              <a:t>33</a:t>
+              <a:t>34</a:t>
             </a:fld>
             <a:endParaRPr lang="de-DE"/>
           </a:p>
@@ -16610,7 +16818,7 @@
           <a:p>
             <a:fld id="{BBC87CA2-7062-4E12-8384-9E01394495A9}" type="datetime1">
               <a:rPr lang="de-DE" smtClean="0"/>
-              <a:t>15.09.2021</a:t>
+              <a:t>23.09.2021</a:t>
             </a:fld>
             <a:endParaRPr lang="de-DE"/>
           </a:p>
@@ -16843,7 +17051,7 @@
           </p:cNvPicPr>
           <p:nvPr/>
         </p:nvPicPr>
-        <p:blipFill>
+        <p:blipFill rotWithShape="1">
           <a:blip r:embed="rId3">
             <a:extLst>
               <a:ext uri="{28A0092B-C50C-407E-A947-70E740481C1C}">
@@ -16851,15 +17059,13 @@
               </a:ext>
             </a:extLst>
           </a:blip>
-          <a:srcRect/>
-          <a:stretch>
-            <a:fillRect/>
-          </a:stretch>
+          <a:srcRect t="25562"/>
+          <a:stretch/>
         </p:blipFill>
         <p:spPr bwMode="auto">
           <a:xfrm>
-            <a:off x="5060661" y="1212575"/>
-            <a:ext cx="6566450" cy="3283225"/>
+            <a:off x="5228190" y="1741711"/>
+            <a:ext cx="6566450" cy="2443976"/>
           </a:xfrm>
           <a:prstGeom prst="rect">
             <a:avLst/>
@@ -17237,7 +17443,7 @@
           <a:p>
             <a:fld id="{BBC87CA2-7062-4E12-8384-9E01394495A9}" type="datetime1">
               <a:rPr lang="de-DE" smtClean="0"/>
-              <a:t>15.09.2021</a:t>
+              <a:t>23.09.2021</a:t>
             </a:fld>
             <a:endParaRPr lang="de-DE"/>
           </a:p>
@@ -17288,8 +17494,239 @@
         </p:nvSpPr>
         <p:spPr>
           <a:xfrm>
-            <a:off x="6096000" y="4663440"/>
-            <a:ext cx="5422627" cy="1452273"/>
+            <a:off x="6096000" y="5231449"/>
+            <a:ext cx="5422627" cy="968629"/>
+          </a:xfrm>
+          <a:prstGeom prst="rect">
+            <a:avLst/>
+          </a:prstGeom>
+        </p:spPr>
+        <p:txBody>
+          <a:bodyPr vert="horz" lIns="180000" tIns="46800" rIns="90000" bIns="45720" rtlCol="0">
+            <a:normAutofit fontScale="92500" lnSpcReduction="10000"/>
+          </a:bodyPr>
+          <a:lstStyle>
+            <a:lvl1pPr marL="0" indent="0" algn="l" defTabSz="914400" rtl="0" eaLnBrk="1" latinLnBrk="0" hangingPunct="1">
+              <a:lnSpc>
+                <a:spcPct val="90000"/>
+              </a:lnSpc>
+              <a:spcBef>
+                <a:spcPts val="1000"/>
+              </a:spcBef>
+              <a:buClr>
+                <a:srgbClr val="E5007D"/>
+              </a:buClr>
+              <a:buFontTx/>
+              <a:buNone/>
+              <a:defRPr sz="2400" strike="noStrike" kern="1200" baseline="0">
+                <a:solidFill>
+                  <a:srgbClr val="7F7F7F"/>
+                </a:solidFill>
+                <a:latin typeface="Arial" panose="020B0604020202020204" pitchFamily="34" charset="0"/>
+                <a:ea typeface="+mn-ea"/>
+                <a:cs typeface="Arial" panose="020B0604020202020204" pitchFamily="34" charset="0"/>
+              </a:defRPr>
+            </a:lvl1pPr>
+            <a:lvl2pPr marL="0" indent="252000" algn="l" defTabSz="914400" rtl="0" eaLnBrk="1" latinLnBrk="0" hangingPunct="1">
+              <a:lnSpc>
+                <a:spcPct val="90000"/>
+              </a:lnSpc>
+              <a:spcBef>
+                <a:spcPts val="500"/>
+              </a:spcBef>
+              <a:buClr>
+                <a:srgbClr val="E5007D"/>
+              </a:buClr>
+              <a:buFont typeface="LucidaGrande" charset="0"/>
+              <a:buChar char="■"/>
+              <a:tabLst/>
+              <a:defRPr sz="2400" strike="noStrike" kern="1200" baseline="0">
+                <a:solidFill>
+                  <a:srgbClr val="7F7F7F"/>
+                </a:solidFill>
+                <a:latin typeface="Arial" panose="020B0604020202020204" pitchFamily="34" charset="0"/>
+                <a:ea typeface="+mn-ea"/>
+                <a:cs typeface="Arial" panose="020B0604020202020204" pitchFamily="34" charset="0"/>
+              </a:defRPr>
+            </a:lvl2pPr>
+            <a:lvl3pPr marL="468000" indent="-252000" algn="l" defTabSz="914400" rtl="0" eaLnBrk="1" latinLnBrk="0" hangingPunct="1">
+              <a:lnSpc>
+                <a:spcPct val="90000"/>
+              </a:lnSpc>
+              <a:spcBef>
+                <a:spcPts val="500"/>
+              </a:spcBef>
+              <a:buClr>
+                <a:srgbClr val="E5007D"/>
+              </a:buClr>
+              <a:buFont typeface="LucidaGrande" charset="0"/>
+              <a:buChar char="■"/>
+              <a:tabLst/>
+              <a:defRPr sz="2200" strike="noStrike" kern="1200" baseline="0">
+                <a:solidFill>
+                  <a:srgbClr val="7F7F7F"/>
+                </a:solidFill>
+                <a:latin typeface="Arial" panose="020B0604020202020204" pitchFamily="34" charset="0"/>
+                <a:ea typeface="+mn-ea"/>
+                <a:cs typeface="Arial" panose="020B0604020202020204" pitchFamily="34" charset="0"/>
+              </a:defRPr>
+            </a:lvl3pPr>
+            <a:lvl4pPr marL="720000" indent="-252000" algn="l" defTabSz="914400" rtl="0" eaLnBrk="1" latinLnBrk="0" hangingPunct="1">
+              <a:lnSpc>
+                <a:spcPct val="90000"/>
+              </a:lnSpc>
+              <a:spcBef>
+                <a:spcPts val="500"/>
+              </a:spcBef>
+              <a:buClr>
+                <a:srgbClr val="E5007D"/>
+              </a:buClr>
+              <a:buFont typeface="LucidaGrande" charset="0"/>
+              <a:buChar char="■"/>
+              <a:tabLst/>
+              <a:defRPr sz="2000" strike="noStrike" kern="1200" baseline="0">
+                <a:solidFill>
+                  <a:srgbClr val="7F7F7F"/>
+                </a:solidFill>
+                <a:latin typeface="Arial" panose="020B0604020202020204" pitchFamily="34" charset="0"/>
+                <a:ea typeface="+mn-ea"/>
+                <a:cs typeface="Arial" panose="020B0604020202020204" pitchFamily="34" charset="0"/>
+              </a:defRPr>
+            </a:lvl4pPr>
+            <a:lvl5pPr marL="952500" indent="-250825" algn="l" defTabSz="914400" rtl="0" eaLnBrk="1" latinLnBrk="0" hangingPunct="1">
+              <a:lnSpc>
+                <a:spcPct val="90000"/>
+              </a:lnSpc>
+              <a:spcBef>
+                <a:spcPts val="500"/>
+              </a:spcBef>
+              <a:buClr>
+                <a:srgbClr val="E5007D"/>
+              </a:buClr>
+              <a:buFont typeface="LucidaGrande" charset="0"/>
+              <a:buChar char="■"/>
+              <a:tabLst/>
+              <a:defRPr sz="1800" strike="noStrike" kern="1200" baseline="0">
+                <a:solidFill>
+                  <a:srgbClr val="7F7F7F"/>
+                </a:solidFill>
+                <a:latin typeface="Arial" panose="020B0604020202020204" pitchFamily="34" charset="0"/>
+                <a:ea typeface="+mn-ea"/>
+                <a:cs typeface="Arial" panose="020B0604020202020204" pitchFamily="34" charset="0"/>
+              </a:defRPr>
+            </a:lvl5pPr>
+            <a:lvl6pPr marL="2514600" indent="-228600" algn="l" defTabSz="914400" rtl="0" eaLnBrk="1" latinLnBrk="0" hangingPunct="1">
+              <a:lnSpc>
+                <a:spcPct val="90000"/>
+              </a:lnSpc>
+              <a:spcBef>
+                <a:spcPts val="500"/>
+              </a:spcBef>
+              <a:buFont typeface="Arial"/>
+              <a:buChar char="•"/>
+              <a:defRPr sz="1800" kern="1200">
+                <a:solidFill>
+                  <a:schemeClr val="tx1"/>
+                </a:solidFill>
+                <a:latin typeface="+mn-lt"/>
+                <a:ea typeface="+mn-ea"/>
+                <a:cs typeface="+mn-cs"/>
+              </a:defRPr>
+            </a:lvl6pPr>
+            <a:lvl7pPr marL="2971800" indent="-228600" algn="l" defTabSz="914400" rtl="0" eaLnBrk="1" latinLnBrk="0" hangingPunct="1">
+              <a:lnSpc>
+                <a:spcPct val="90000"/>
+              </a:lnSpc>
+              <a:spcBef>
+                <a:spcPts val="500"/>
+              </a:spcBef>
+              <a:buFont typeface="Arial"/>
+              <a:buChar char="•"/>
+              <a:defRPr sz="1800" kern="1200">
+                <a:solidFill>
+                  <a:schemeClr val="tx1"/>
+                </a:solidFill>
+                <a:latin typeface="+mn-lt"/>
+                <a:ea typeface="+mn-ea"/>
+                <a:cs typeface="+mn-cs"/>
+              </a:defRPr>
+            </a:lvl7pPr>
+            <a:lvl8pPr marL="3429000" indent="-228600" algn="l" defTabSz="914400" rtl="0" eaLnBrk="1" latinLnBrk="0" hangingPunct="1">
+              <a:lnSpc>
+                <a:spcPct val="90000"/>
+              </a:lnSpc>
+              <a:spcBef>
+                <a:spcPts val="500"/>
+              </a:spcBef>
+              <a:buFont typeface="Arial"/>
+              <a:buChar char="•"/>
+              <a:defRPr sz="1800" kern="1200">
+                <a:solidFill>
+                  <a:schemeClr val="tx1"/>
+                </a:solidFill>
+                <a:latin typeface="+mn-lt"/>
+                <a:ea typeface="+mn-ea"/>
+                <a:cs typeface="+mn-cs"/>
+              </a:defRPr>
+            </a:lvl8pPr>
+            <a:lvl9pPr marL="3886200" indent="-228600" algn="l" defTabSz="914400" rtl="0" eaLnBrk="1" latinLnBrk="0" hangingPunct="1">
+              <a:lnSpc>
+                <a:spcPct val="90000"/>
+              </a:lnSpc>
+              <a:spcBef>
+                <a:spcPts val="500"/>
+              </a:spcBef>
+              <a:buFont typeface="Arial"/>
+              <a:buChar char="•"/>
+              <a:defRPr sz="1800" kern="1200">
+                <a:solidFill>
+                  <a:schemeClr val="tx1"/>
+                </a:solidFill>
+                <a:latin typeface="+mn-lt"/>
+                <a:ea typeface="+mn-ea"/>
+                <a:cs typeface="+mn-cs"/>
+              </a:defRPr>
+            </a:lvl9pPr>
+          </a:lstStyle>
+          <a:p>
+            <a:pPr algn="r"/>
+            <a:r>
+              <a:rPr lang="en-US" i="1" dirty="0" err="1"/>
+              <a:t>FaaS</a:t>
+            </a:r>
+            <a:r>
+              <a:rPr lang="en-US" i="1" dirty="0"/>
+              <a:t> platforms execute your code only when needed and scale automatically…</a:t>
+            </a:r>
+          </a:p>
+          <a:p>
+            <a:pPr algn="r"/>
+            <a:r>
+              <a:rPr lang="en-US" sz="1400" dirty="0"/>
+              <a:t>Continuous Delivery in Java</a:t>
+            </a:r>
+            <a:endParaRPr lang="de-DE" sz="1600" dirty="0"/>
+          </a:p>
+        </p:txBody>
+      </p:sp>
+      <p:sp>
+        <p:nvSpPr>
+          <p:cNvPr id="11" name="Inhaltsplatzhalter 2">
+            <a:extLst>
+              <a:ext uri="{FF2B5EF4-FFF2-40B4-BE49-F238E27FC236}">
+                <a16:creationId xmlns:a16="http://schemas.microsoft.com/office/drawing/2014/main" id="{1BDEDD7A-39C5-4B91-ADD1-6B59AA47801D}"/>
+              </a:ext>
+            </a:extLst>
+          </p:cNvPr>
+          <p:cNvSpPr txBox="1">
+            <a:spLocks/>
+          </p:cNvSpPr>
+          <p:nvPr/>
+        </p:nvSpPr>
+        <p:spPr>
+          <a:xfrm>
+            <a:off x="6211230" y="4141848"/>
+            <a:ext cx="6285725" cy="869784"/>
           </a:xfrm>
           <a:prstGeom prst="rect">
             <a:avLst/>
@@ -17483,118 +17920,103 @@
             </a:lvl9pPr>
           </a:lstStyle>
           <a:p>
-            <a:pPr algn="r"/>
-            <a:r>
-              <a:rPr lang="en-US" i="1" dirty="0" err="1"/>
-              <a:t>FaaS</a:t>
-            </a:r>
-            <a:r>
-              <a:rPr lang="en-US" i="1" dirty="0"/>
-              <a:t> platforms execute your code only when needed and scale automatically…</a:t>
-            </a:r>
-          </a:p>
-          <a:p>
-            <a:pPr algn="r"/>
-            <a:r>
-              <a:rPr lang="en-US" sz="1400" dirty="0"/>
-              <a:t>Continuous Delivery in Java</a:t>
-            </a:r>
-            <a:endParaRPr lang="de-DE" sz="1400" dirty="0"/>
-          </a:p>
-        </p:txBody>
-      </p:sp>
-      <p:sp>
-        <p:nvSpPr>
-          <p:cNvPr id="2" name="Textfeld 1">
+            <a:pPr marL="285750" indent="-285750">
+              <a:buFont typeface="Arial" panose="020B0604020202020204" pitchFamily="34" charset="0"/>
+              <a:buChar char="•"/>
+            </a:pPr>
+            <a:r>
+              <a:rPr lang="en-US" sz="2000" dirty="0"/>
+              <a:t>Vertical Scaling: </a:t>
+            </a:r>
+            <a:r>
+              <a:rPr lang="en-US" sz="2000" dirty="0" err="1"/>
+              <a:t>Jboss</a:t>
+            </a:r>
+            <a:r>
+              <a:rPr lang="en-US" sz="2000" dirty="0"/>
+              <a:t> (inc. RAM, CPU etc.)</a:t>
+            </a:r>
+          </a:p>
+          <a:p>
+            <a:pPr marL="285750" indent="-285750">
+              <a:buFont typeface="Arial" panose="020B0604020202020204" pitchFamily="34" charset="0"/>
+              <a:buChar char="•"/>
+            </a:pPr>
+            <a:r>
+              <a:rPr lang="en-US" sz="2000" dirty="0"/>
+              <a:t>Horizonal Scaling: Cloud (</a:t>
+            </a:r>
+            <a:r>
+              <a:rPr lang="en-US" sz="2000" dirty="0" err="1"/>
+              <a:t>zus</a:t>
+            </a:r>
+            <a:r>
+              <a:rPr lang="en-US" sz="2000" dirty="0"/>
+              <a:t>. </a:t>
+            </a:r>
+            <a:r>
+              <a:rPr lang="en-US" sz="2000" dirty="0" err="1"/>
+              <a:t>Instanzen</a:t>
+            </a:r>
+            <a:r>
+              <a:rPr lang="en-US" sz="2000" dirty="0"/>
+              <a:t>) </a:t>
+            </a:r>
+          </a:p>
+        </p:txBody>
+      </p:sp>
+      <p:sp>
+        <p:nvSpPr>
+          <p:cNvPr id="12" name="Titel 3">
             <a:extLst>
               <a:ext uri="{FF2B5EF4-FFF2-40B4-BE49-F238E27FC236}">
-                <a16:creationId xmlns:a16="http://schemas.microsoft.com/office/drawing/2014/main" id="{3FD8D4CD-2024-4E91-A8BC-EC1C49B89A45}"/>
+                <a16:creationId xmlns:a16="http://schemas.microsoft.com/office/drawing/2014/main" id="{DA6C9BF2-39E3-45F7-8C96-61F35391B418}"/>
               </a:ext>
             </a:extLst>
           </p:cNvPr>
-          <p:cNvSpPr txBox="1"/>
+          <p:cNvSpPr txBox="1">
+            <a:spLocks/>
+          </p:cNvSpPr>
           <p:nvPr/>
         </p:nvSpPr>
         <p:spPr>
           <a:xfrm>
-            <a:off x="6244683" y="568712"/>
-            <a:ext cx="1862254" cy="646331"/>
+            <a:off x="7229744" y="1143094"/>
+            <a:ext cx="2676663" cy="378800"/>
           </a:xfrm>
           <a:prstGeom prst="rect">
             <a:avLst/>
           </a:prstGeom>
-          <a:noFill/>
         </p:spPr>
         <p:txBody>
-          <a:bodyPr wrap="square" rtlCol="0">
-            <a:spAutoFit/>
+          <a:bodyPr vert="horz" lIns="180000" tIns="0" rIns="91440" bIns="45720" rtlCol="0" anchor="t" anchorCtr="0">
+            <a:noAutofit/>
           </a:bodyPr>
-          <a:lstStyle/>
-          <a:p>
-            <a:r>
-              <a:rPr lang="en-US" dirty="0" err="1"/>
-              <a:t>Überschrift</a:t>
-            </a:r>
-            <a:r>
-              <a:rPr lang="en-US" dirty="0"/>
-              <a:t>: </a:t>
-            </a:r>
-            <a:r>
-              <a:rPr lang="en-US" dirty="0" err="1"/>
+          <a:lstStyle>
+            <a:lvl1pPr algn="l" defTabSz="914400" rtl="0" eaLnBrk="1" latinLnBrk="0" hangingPunct="1">
+              <a:lnSpc>
+                <a:spcPct val="90000"/>
+              </a:lnSpc>
+              <a:spcBef>
+                <a:spcPct val="0"/>
+              </a:spcBef>
+              <a:buNone/>
+              <a:defRPr sz="3000" kern="1200" cap="none" baseline="0">
+                <a:solidFill>
+                  <a:srgbClr val="7F7F7F"/>
+                </a:solidFill>
+                <a:latin typeface="Arial" panose="020B0604020202020204" pitchFamily="34" charset="0"/>
+                <a:ea typeface="+mj-ea"/>
+                <a:cs typeface="Arial" panose="020B0604020202020204" pitchFamily="34" charset="0"/>
+              </a:defRPr>
+            </a:lvl1pPr>
+          </a:lstStyle>
+          <a:p>
+            <a:r>
+              <a:rPr lang="en-US" sz="2400" dirty="0" err="1"/>
               <a:t>Parallelisierung</a:t>
             </a:r>
-            <a:endParaRPr lang="de-DE" dirty="0"/>
-          </a:p>
-        </p:txBody>
-      </p:sp>
-      <p:sp>
-        <p:nvSpPr>
-          <p:cNvPr id="7" name="Textfeld 6">
-            <a:extLst>
-              <a:ext uri="{FF2B5EF4-FFF2-40B4-BE49-F238E27FC236}">
-                <a16:creationId xmlns:a16="http://schemas.microsoft.com/office/drawing/2014/main" id="{E1BB9953-C38F-4477-B5A0-E4AF2BBB90A3}"/>
-              </a:ext>
-            </a:extLst>
-          </p:cNvPr>
-          <p:cNvSpPr txBox="1"/>
-          <p:nvPr/>
-        </p:nvSpPr>
-        <p:spPr>
-          <a:xfrm>
-            <a:off x="8965580" y="317150"/>
-            <a:ext cx="2051825" cy="646331"/>
-          </a:xfrm>
-          <a:prstGeom prst="rect">
-            <a:avLst/>
-          </a:prstGeom>
-          <a:noFill/>
-        </p:spPr>
-        <p:txBody>
-          <a:bodyPr wrap="square" rtlCol="0">
-            <a:spAutoFit/>
-          </a:bodyPr>
-          <a:lstStyle/>
-          <a:p>
-            <a:r>
-              <a:rPr lang="en-US" dirty="0" err="1"/>
-              <a:t>Verti</a:t>
-            </a:r>
-            <a:r>
-              <a:rPr lang="en-US" dirty="0"/>
-              <a:t>: </a:t>
-            </a:r>
-            <a:r>
-              <a:rPr lang="en-US" dirty="0" err="1"/>
-              <a:t>jboss</a:t>
-            </a:r>
-            <a:endParaRPr lang="en-US" dirty="0"/>
-          </a:p>
-          <a:p>
-            <a:r>
-              <a:rPr lang="en-US" dirty="0"/>
-              <a:t>Hori: cloud</a:t>
-            </a:r>
-            <a:endParaRPr lang="de-DE" dirty="0"/>
+            <a:endParaRPr lang="de-DE" sz="2400" dirty="0"/>
           </a:p>
         </p:txBody>
       </p:sp>
@@ -17719,7 +18141,7 @@
           <a:p>
             <a:fld id="{BBC87CA2-7062-4E12-8384-9E01394495A9}" type="datetime1">
               <a:rPr lang="de-DE" smtClean="0"/>
-              <a:t>15.09.2021</a:t>
+              <a:t>23.09.2021</a:t>
             </a:fld>
             <a:endParaRPr lang="de-DE"/>
           </a:p>
@@ -18359,7 +18781,7 @@
           <a:p>
             <a:fld id="{BBC87CA2-7062-4E12-8384-9E01394495A9}" type="datetime1">
               <a:rPr lang="de-DE" smtClean="0"/>
-              <a:t>15.09.2021</a:t>
+              <a:t>23.09.2021</a:t>
             </a:fld>
             <a:endParaRPr lang="de-DE"/>
           </a:p>
@@ -18576,7 +18998,7 @@
           <a:p>
             <a:fld id="{BBC87CA2-7062-4E12-8384-9E01394495A9}" type="datetime1">
               <a:rPr lang="de-DE" smtClean="0"/>
-              <a:t>15.09.2021</a:t>
+              <a:t>23.09.2021</a:t>
             </a:fld>
             <a:endParaRPr lang="de-DE"/>
           </a:p>
@@ -19011,7 +19433,7 @@
           <a:p>
             <a:fld id="{BBC87CA2-7062-4E12-8384-9E01394495A9}" type="datetime1">
               <a:rPr lang="de-DE" smtClean="0"/>
-              <a:t>15.09.2021</a:t>
+              <a:t>23.09.2021</a:t>
             </a:fld>
             <a:endParaRPr lang="de-DE"/>
           </a:p>
@@ -20287,18 +20709,18 @@
 </file>
 
 <file path=customXml/item1.xml><?xml version="1.0" encoding="utf-8"?>
+<p:properties xmlns:p="http://schemas.microsoft.com/office/2006/metadata/properties" xmlns:xsi="http://www.w3.org/2001/XMLSchema-instance" xmlns:pc="http://schemas.microsoft.com/office/infopath/2007/PartnerControls">
+  <documentManagement/>
+</p:properties>
+</file>
+
+<file path=customXml/item2.xml><?xml version="1.0" encoding="utf-8"?>
 <?mso-contentType ?>
 <FormTemplates xmlns="http://schemas.microsoft.com/sharepoint/v3/contenttype/forms">
   <Display>DocumentLibraryForm</Display>
   <Edit>DocumentLibraryForm</Edit>
   <New>DocumentLibraryForm</New>
 </FormTemplates>
-</file>
-
-<file path=customXml/item2.xml><?xml version="1.0" encoding="utf-8"?>
-<p:properties xmlns:p="http://schemas.microsoft.com/office/2006/metadata/properties" xmlns:xsi="http://www.w3.org/2001/XMLSchema-instance" xmlns:pc="http://schemas.microsoft.com/office/infopath/2007/PartnerControls">
-  <documentManagement/>
-</p:properties>
 </file>
 
 <file path=customXml/item3.xml><?xml version="1.0" encoding="utf-8"?>
@@ -20493,18 +20915,18 @@
 </file>
 
 <file path=customXml/itemProps1.xml><?xml version="1.0" encoding="utf-8"?>
-<ds:datastoreItem xmlns:ds="http://schemas.openxmlformats.org/officeDocument/2006/customXml" ds:itemID="{DD4333DF-574C-4D73-A71A-B940E5D42F65}">
+<ds:datastoreItem xmlns:ds="http://schemas.openxmlformats.org/officeDocument/2006/customXml" ds:itemID="{4507DE60-3DD6-46B6-92AF-717BD04D65E5}">
   <ds:schemaRefs>
-    <ds:schemaRef ds:uri="http://schemas.microsoft.com/sharepoint/v3/contenttype/forms"/>
+    <ds:schemaRef ds:uri="http://schemas.microsoft.com/office/2006/metadata/properties"/>
+    <ds:schemaRef ds:uri="http://schemas.microsoft.com/office/infopath/2007/PartnerControls"/>
   </ds:schemaRefs>
 </ds:datastoreItem>
 </file>
 
 <file path=customXml/itemProps2.xml><?xml version="1.0" encoding="utf-8"?>
-<ds:datastoreItem xmlns:ds="http://schemas.openxmlformats.org/officeDocument/2006/customXml" ds:itemID="{4507DE60-3DD6-46B6-92AF-717BD04D65E5}">
+<ds:datastoreItem xmlns:ds="http://schemas.openxmlformats.org/officeDocument/2006/customXml" ds:itemID="{DD4333DF-574C-4D73-A71A-B940E5D42F65}">
   <ds:schemaRefs>
-    <ds:schemaRef ds:uri="http://schemas.microsoft.com/office/2006/metadata/properties"/>
-    <ds:schemaRef ds:uri="http://schemas.microsoft.com/office/infopath/2007/PartnerControls"/>
+    <ds:schemaRef ds:uri="http://schemas.microsoft.com/sharepoint/v3/contenttype/forms"/>
   </ds:schemaRefs>
 </ds:datastoreItem>
 </file>
